--- a/CSU-library-material-request.pptx
+++ b/CSU-library-material-request.pptx
@@ -326,7 +326,7 @@
             <a:fld id="{48101BCE-EC36-4DE0-B21C-D2709FABE79E}" type="datetimeFigureOut">
               <a:rPr lang="en-US" smtClean="0"/>
               <a:pPr/>
-              <a:t>2/15/2016</a:t>
+              <a:t>2/22/2016</a:t>
             </a:fld>
             <a:endParaRPr lang="en-US"/>
           </a:p>
@@ -493,7 +493,7 @@
             <a:fld id="{48101BCE-EC36-4DE0-B21C-D2709FABE79E}" type="datetimeFigureOut">
               <a:rPr lang="en-US" smtClean="0"/>
               <a:pPr/>
-              <a:t>2/15/2016</a:t>
+              <a:t>2/22/2016</a:t>
             </a:fld>
             <a:endParaRPr lang="en-US"/>
           </a:p>
@@ -670,7 +670,7 @@
             <a:fld id="{48101BCE-EC36-4DE0-B21C-D2709FABE79E}" type="datetimeFigureOut">
               <a:rPr lang="en-US" smtClean="0"/>
               <a:pPr/>
-              <a:t>2/15/2016</a:t>
+              <a:t>2/22/2016</a:t>
             </a:fld>
             <a:endParaRPr lang="en-US"/>
           </a:p>
@@ -837,7 +837,7 @@
             <a:fld id="{48101BCE-EC36-4DE0-B21C-D2709FABE79E}" type="datetimeFigureOut">
               <a:rPr lang="en-US" smtClean="0"/>
               <a:pPr/>
-              <a:t>2/15/2016</a:t>
+              <a:t>2/22/2016</a:t>
             </a:fld>
             <a:endParaRPr lang="en-US"/>
           </a:p>
@@ -1080,7 +1080,7 @@
             <a:fld id="{48101BCE-EC36-4DE0-B21C-D2709FABE79E}" type="datetimeFigureOut">
               <a:rPr lang="en-US" smtClean="0"/>
               <a:pPr/>
-              <a:t>2/15/2016</a:t>
+              <a:t>2/22/2016</a:t>
             </a:fld>
             <a:endParaRPr lang="en-US"/>
           </a:p>
@@ -1365,7 +1365,7 @@
             <a:fld id="{48101BCE-EC36-4DE0-B21C-D2709FABE79E}" type="datetimeFigureOut">
               <a:rPr lang="en-US" smtClean="0"/>
               <a:pPr/>
-              <a:t>2/15/2016</a:t>
+              <a:t>2/22/2016</a:t>
             </a:fld>
             <a:endParaRPr lang="en-US"/>
           </a:p>
@@ -1784,7 +1784,7 @@
             <a:fld id="{48101BCE-EC36-4DE0-B21C-D2709FABE79E}" type="datetimeFigureOut">
               <a:rPr lang="en-US" smtClean="0"/>
               <a:pPr/>
-              <a:t>2/15/2016</a:t>
+              <a:t>2/22/2016</a:t>
             </a:fld>
             <a:endParaRPr lang="en-US"/>
           </a:p>
@@ -1899,7 +1899,7 @@
             <a:fld id="{48101BCE-EC36-4DE0-B21C-D2709FABE79E}" type="datetimeFigureOut">
               <a:rPr lang="en-US" smtClean="0"/>
               <a:pPr/>
-              <a:t>2/15/2016</a:t>
+              <a:t>2/22/2016</a:t>
             </a:fld>
             <a:endParaRPr lang="en-US"/>
           </a:p>
@@ -1991,7 +1991,7 @@
             <a:fld id="{48101BCE-EC36-4DE0-B21C-D2709FABE79E}" type="datetimeFigureOut">
               <a:rPr lang="en-US" smtClean="0"/>
               <a:pPr/>
-              <a:t>2/15/2016</a:t>
+              <a:t>2/22/2016</a:t>
             </a:fld>
             <a:endParaRPr lang="en-US"/>
           </a:p>
@@ -2265,7 +2265,7 @@
             <a:fld id="{48101BCE-EC36-4DE0-B21C-D2709FABE79E}" type="datetimeFigureOut">
               <a:rPr lang="en-US" smtClean="0"/>
               <a:pPr/>
-              <a:t>2/15/2016</a:t>
+              <a:t>2/22/2016</a:t>
             </a:fld>
             <a:endParaRPr lang="en-US"/>
           </a:p>
@@ -2515,7 +2515,7 @@
             <a:fld id="{48101BCE-EC36-4DE0-B21C-D2709FABE79E}" type="datetimeFigureOut">
               <a:rPr lang="en-US" smtClean="0"/>
               <a:pPr/>
-              <a:t>2/15/2016</a:t>
+              <a:t>2/22/2016</a:t>
             </a:fld>
             <a:endParaRPr lang="en-US"/>
           </a:p>
@@ -2734,7 +2734,7 @@
             <a:fld id="{48101BCE-EC36-4DE0-B21C-D2709FABE79E}" type="datetimeFigureOut">
               <a:rPr lang="en-US" smtClean="0"/>
               <a:pPr/>
-              <a:t>2/15/2016</a:t>
+              <a:t>2/22/2016</a:t>
             </a:fld>
             <a:endParaRPr lang="en-US"/>
           </a:p>
@@ -3287,7 +3287,15 @@
             </a:r>
             <a:r>
               <a:rPr lang="en-US" sz="1800" dirty="0"/>
-              <a:t>the MARC record of each DDA item, the 856u field contains the request URL http://librequest.colostate.edu.</a:t>
+              <a:t>the MARC record of each DDA </a:t>
+            </a:r>
+            <a:r>
+              <a:rPr lang="en-US" sz="1800" dirty="0" smtClean="0"/>
+              <a:t>book, </a:t>
+            </a:r>
+            <a:r>
+              <a:rPr lang="en-US" sz="1800" dirty="0"/>
+              <a:t>the 856u field contains the request URL http://librequest.colostate.edu.</a:t>
             </a:r>
           </a:p>
           <a:p>
@@ -3297,8 +3305,61 @@
             </a:r>
             <a:r>
               <a:rPr lang="en-US" sz="1800" dirty="0"/>
-              <a:t>Discovery indexing of Sage records, items with type are given a library location of "Books Purchased Upon request"</a:t>
-            </a:r>
+              <a:t>Discovery </a:t>
+            </a:r>
+            <a:r>
+              <a:rPr lang="en-US" sz="1800" dirty="0" smtClean="0"/>
+              <a:t>display of </a:t>
+            </a:r>
+            <a:r>
+              <a:rPr lang="en-US" sz="1800" dirty="0"/>
+              <a:t>Sage records, </a:t>
+            </a:r>
+            <a:r>
+              <a:rPr lang="en-US" sz="1800" dirty="0" smtClean="0"/>
+              <a:t>books </a:t>
+            </a:r>
+            <a:r>
+              <a:rPr lang="en-US" sz="1800" dirty="0"/>
+              <a:t>with </a:t>
+            </a:r>
+            <a:r>
+              <a:rPr lang="en-US" sz="1800" dirty="0" smtClean="0"/>
+              <a:t>a location code of </a:t>
+            </a:r>
+            <a:r>
+              <a:rPr lang="en-US" sz="1800" dirty="0" err="1" smtClean="0"/>
+              <a:t>iws</a:t>
+            </a:r>
+            <a:r>
+              <a:rPr lang="en-US" sz="1800" dirty="0"/>
+              <a:t> </a:t>
+            </a:r>
+            <a:r>
+              <a:rPr lang="en-US" sz="1800" dirty="0" smtClean="0"/>
+              <a:t>(MARC 998a) </a:t>
+            </a:r>
+            <a:r>
+              <a:rPr lang="en-US" sz="1800" dirty="0"/>
+              <a:t>are </a:t>
+            </a:r>
+            <a:r>
+              <a:rPr lang="en-US" sz="1800" dirty="0"/>
+              <a:t>given a library location of </a:t>
+            </a:r>
+            <a:r>
+              <a:rPr lang="en-US" sz="1800" dirty="0" smtClean="0"/>
+              <a:t>“Books </a:t>
+            </a:r>
+            <a:r>
+              <a:rPr lang="en-US" sz="1800" dirty="0"/>
+              <a:t>Purchased </a:t>
+            </a:r>
+            <a:r>
+              <a:rPr lang="en-US" sz="1800" dirty="0" smtClean="0"/>
+              <a:t>on Request”.</a:t>
+            </a:r>
+            <a:endParaRPr lang="en-US" sz="1800" dirty="0"/>
           </a:p>
           <a:p>
             <a:r>
@@ -3316,8 +3377,12 @@
               <a:t>DDA </a:t>
             </a:r>
             <a:r>
+              <a:rPr lang="en-US" sz="1800" dirty="0" smtClean="0"/>
+              <a:t>records do </a:t>
+            </a:r>
+            <a:r>
               <a:rPr lang="en-US" sz="1800" dirty="0"/>
-              <a:t>items do not have a bib number in Prospector, so Prospector request links use an ISBN search.</a:t>
+              <a:t>not have a bib number in Prospector, so Prospector request links use an ISBN search.</a:t>
             </a:r>
           </a:p>
           <a:p>
@@ -3547,6 +3612,13 @@
   <p:clrMapOvr>
     <a:masterClrMapping/>
   </p:clrMapOvr>
+  <p:timing>
+    <p:tnLst>
+      <p:par>
+        <p:cTn id="1" dur="indefinite" restart="never" nodeType="tmRoot"/>
+      </p:par>
+    </p:tnLst>
+  </p:timing>
 </p:sld>
 </file>
 
@@ -3615,6 +3687,13 @@
   <p:clrMapOvr>
     <a:masterClrMapping/>
   </p:clrMapOvr>
+  <p:timing>
+    <p:tnLst>
+      <p:par>
+        <p:cTn id="1" dur="indefinite" restart="never" nodeType="tmRoot"/>
+      </p:par>
+    </p:tnLst>
+  </p:timing>
 </p:sld>
 </file>
 
@@ -3888,7 +3967,15 @@
             </a:r>
             <a:r>
               <a:rPr lang="en-US" sz="2000" dirty="0"/>
-              <a:t>the item is in Discovery, its first ISBN is used to search classic Prospector.</a:t>
+              <a:t>the </a:t>
+            </a:r>
+            <a:r>
+              <a:rPr lang="en-US" sz="2000" dirty="0" smtClean="0"/>
+              <a:t>book is </a:t>
+            </a:r>
+            <a:r>
+              <a:rPr lang="en-US" sz="2000" dirty="0"/>
+              <a:t>in Discovery, its first ISBN is used to search classic Prospector.</a:t>
             </a:r>
           </a:p>
           <a:p>
@@ -3898,7 +3985,23 @@
             </a:r>
             <a:r>
               <a:rPr lang="en-US" sz="2000" dirty="0"/>
-              <a:t>the item is in Prospector, item details, non-CSU </a:t>
+              <a:t>the </a:t>
+            </a:r>
+            <a:r>
+              <a:rPr lang="en-US" sz="2000" dirty="0"/>
+              <a:t>book is </a:t>
+            </a:r>
+            <a:r>
+              <a:rPr lang="en-US" sz="2000" dirty="0"/>
+              <a:t>in Prospector, </a:t>
+            </a:r>
+            <a:r>
+              <a:rPr lang="en-US" sz="2000" dirty="0"/>
+              <a:t>book details</a:t>
+            </a:r>
+            <a:r>
+              <a:rPr lang="en-US" sz="2000" dirty="0"/>
+              <a:t>, non-CSU </a:t>
             </a:r>
             <a:r>
               <a:rPr lang="en-US" sz="2000" dirty="0" smtClean="0"/>
@@ -4151,20 +4254,8 @@
           <a:lstStyle/>
           <a:p>
             <a:r>
-              <a:rPr lang="en-US" sz="2200" dirty="0"/>
-              <a:t>Mostly print </a:t>
-            </a:r>
-            <a:r>
               <a:rPr lang="en-US" sz="2200" dirty="0" smtClean="0"/>
-              <a:t>books </a:t>
-            </a:r>
-            <a:r>
-              <a:rPr lang="en-US" sz="2200" dirty="0"/>
-              <a:t>and </a:t>
-            </a:r>
-            <a:r>
-              <a:rPr lang="en-US" sz="2200" dirty="0" smtClean="0"/>
-              <a:t>items </a:t>
+              <a:t>Print books</a:t>
             </a:r>
             <a:endParaRPr lang="en-US" sz="2200" dirty="0"/>
           </a:p>
@@ -4179,7 +4270,6 @@
               <a:rPr lang="en-US" sz="2200" dirty="0"/>
               <a:t>CSU library purchases </a:t>
             </a:r>
-            <a:endParaRPr lang="en-US" sz="2200" dirty="0"/>
           </a:p>
         </p:txBody>
       </p:sp>
@@ -4337,7 +4427,46 @@
             </a:r>
             <a:r>
               <a:rPr lang="en-US" sz="2000" dirty="0"/>
-              <a:t>no copies are available, or the user selects Order, they see their contact information, requested item information, and delivery options.</a:t>
+              <a:t>no copies are available, or the user selects Order, they see their contact information, requested </a:t>
+            </a:r>
+            <a:r>
+              <a:rPr lang="en-US" sz="2000" dirty="0" smtClean="0"/>
+              <a:t>book </a:t>
+            </a:r>
+            <a:r>
+              <a:rPr lang="en-US" sz="2000" dirty="0"/>
+              <a:t>information, and delivery </a:t>
+            </a:r>
+            <a:r>
+              <a:rPr lang="en-US" sz="2000" dirty="0" smtClean="0"/>
+              <a:t>options (order, order and notify me when it arrives, or rush order).</a:t>
+            </a:r>
+            <a:endParaRPr lang="en-US" sz="2000" dirty="0"/>
+          </a:p>
+          <a:p>
+            <a:r>
+              <a:rPr lang="en-US" sz="2000" dirty="0" smtClean="0"/>
+              <a:t>Library </a:t>
+            </a:r>
+            <a:r>
+              <a:rPr lang="en-US" sz="2000" dirty="0"/>
+              <a:t>staff </a:t>
+            </a:r>
+            <a:r>
+              <a:rPr lang="en-US" sz="2000" dirty="0" smtClean="0"/>
+              <a:t>members can </a:t>
+            </a:r>
+            <a:r>
+              <a:rPr lang="en-US" sz="2000" dirty="0"/>
+              <a:t>also provide </a:t>
+            </a:r>
+            <a:r>
+              <a:rPr lang="en-US" sz="2000" dirty="0" smtClean="0"/>
+              <a:t>comments or details </a:t>
+            </a:r>
+            <a:r>
+              <a:rPr lang="en-US" sz="2000" dirty="0"/>
+              <a:t>about the request, such as the identity of a patron making the request.</a:t>
             </a:r>
           </a:p>
           <a:p>
@@ -4347,16 +4476,6 @@
             </a:r>
             <a:r>
               <a:rPr lang="en-US" sz="2000" dirty="0"/>
-              <a:t>the user is a library staff member, they can also provide details about the request, such as the identity of a patron making the request.</a:t>
-            </a:r>
-          </a:p>
-          <a:p>
-            <a:r>
-              <a:rPr lang="en-US" sz="2000" dirty="0" smtClean="0"/>
-              <a:t>If </a:t>
-            </a:r>
-            <a:r>
-              <a:rPr lang="en-US" sz="2000" dirty="0"/>
               <a:t>the user clicks Order, a confirmation message is composed. </a:t>
             </a:r>
           </a:p>
@@ -4387,7 +4506,15 @@
             </a:r>
             <a:r>
               <a:rPr lang="en-US" sz="2000" dirty="0"/>
-              <a:t>message is displayed on a confirmation page, with options to print, return to the catalog item, or log out.</a:t>
+              <a:t>message is displayed on a confirmation page, with options to print, return to the catalog </a:t>
+            </a:r>
+            <a:r>
+              <a:rPr lang="en-US" sz="2000" dirty="0" smtClean="0"/>
+              <a:t>record, </a:t>
+            </a:r>
+            <a:r>
+              <a:rPr lang="en-US" sz="2000" dirty="0"/>
+              <a:t>or log out.</a:t>
             </a:r>
           </a:p>
         </p:txBody>
@@ -4579,6 +4706,22 @@
               <a:rPr lang="en-US" sz="2000" dirty="0" smtClean="0"/>
               <a:t>Gregory.Vogl@colostate.edu </a:t>
             </a:r>
+            <a:endParaRPr lang="en-US" sz="2000" dirty="0" smtClean="0"/>
+          </a:p>
+          <a:p>
+            <a:pPr marL="0" indent="0">
+              <a:buNone/>
+            </a:pPr>
+            <a:endParaRPr lang="en-US" sz="2000" dirty="0"/>
+          </a:p>
+          <a:p>
+            <a:pPr marL="0" indent="0">
+              <a:buNone/>
+            </a:pPr>
+            <a:r>
+              <a:rPr lang="en-US" sz="2000" smtClean="0"/>
+              <a:t>February 25, 2016</a:t>
+            </a:r>
             <a:endParaRPr lang="en-US" sz="2000" dirty="0"/>
           </a:p>
         </p:txBody>
@@ -4692,7 +4835,15 @@
             </a:r>
             <a:r>
               <a:rPr lang="en-US" sz="2000" dirty="0"/>
-              <a:t>CSU patron selects a DDA item and logs in with their CSU </a:t>
+              <a:t>CSU patron selects a DDA </a:t>
+            </a:r>
+            <a:r>
+              <a:rPr lang="en-US" sz="2000" dirty="0" smtClean="0"/>
+              <a:t>book and </a:t>
+            </a:r>
+            <a:r>
+              <a:rPr lang="en-US" sz="2000" dirty="0"/>
+              <a:t>logs in with their CSU </a:t>
             </a:r>
             <a:r>
               <a:rPr lang="en-US" sz="2000" dirty="0" err="1"/>
@@ -4714,7 +4865,23 @@
             </a:r>
             <a:r>
               <a:rPr lang="en-US" sz="2000" dirty="0"/>
-              <a:t>the item is available in Prospector, the patron can choose to borrow the item from Prospector.</a:t>
+              <a:t>the </a:t>
+            </a:r>
+            <a:r>
+              <a:rPr lang="en-US" sz="2000" dirty="0" smtClean="0"/>
+              <a:t>book is </a:t>
+            </a:r>
+            <a:r>
+              <a:rPr lang="en-US" sz="2000" dirty="0"/>
+              <a:t>available in Prospector, the patron can choose to borrow the </a:t>
+            </a:r>
+            <a:r>
+              <a:rPr lang="en-US" sz="2000" dirty="0" smtClean="0"/>
+              <a:t>book from </a:t>
+            </a:r>
+            <a:r>
+              <a:rPr lang="en-US" sz="2000" dirty="0"/>
+              <a:t>Prospector.</a:t>
             </a:r>
           </a:p>
           <a:p>
@@ -4728,7 +4895,15 @@
             </a:r>
             <a:r>
               <a:rPr lang="en-US" sz="2000" dirty="0"/>
-              <a:t>, the patron can request the item via an online form.</a:t>
+              <a:t>, the patron can request the </a:t>
+            </a:r>
+            <a:r>
+              <a:rPr lang="en-US" sz="2000" dirty="0" smtClean="0"/>
+              <a:t>book via </a:t>
+            </a:r>
+            <a:r>
+              <a:rPr lang="en-US" sz="2000" dirty="0"/>
+              <a:t>an online form.</a:t>
             </a:r>
           </a:p>
           <a:p>
@@ -4760,7 +4935,11 @@
             </a:r>
             <a:r>
               <a:rPr lang="en-US" sz="2000" dirty="0" smtClean="0"/>
-              <a:t>item, update </a:t>
+              <a:t>book, </a:t>
+            </a:r>
+            <a:r>
+              <a:rPr lang="en-US" sz="2000" dirty="0" smtClean="0"/>
+              <a:t>update </a:t>
             </a:r>
             <a:r>
               <a:rPr lang="en-US" sz="2000" dirty="0"/>
@@ -4772,11 +4951,27 @@
             </a:r>
             <a:r>
               <a:rPr lang="en-US" sz="2000" dirty="0"/>
-              <a:t>and notify the </a:t>
+              <a:t>and </a:t>
             </a:r>
             <a:r>
               <a:rPr lang="en-US" sz="2000" dirty="0" smtClean="0"/>
-              <a:t>patron that the item is available for checkout.</a:t>
+              <a:t>possibly notify </a:t>
+            </a:r>
+            <a:r>
+              <a:rPr lang="en-US" sz="2000" dirty="0"/>
+              <a:t>the </a:t>
+            </a:r>
+            <a:r>
+              <a:rPr lang="en-US" sz="2000" dirty="0" smtClean="0"/>
+              <a:t>patron that the </a:t>
+            </a:r>
+            <a:r>
+              <a:rPr lang="en-US" sz="2000" dirty="0" smtClean="0"/>
+              <a:t>book is </a:t>
+            </a:r>
+            <a:r>
+              <a:rPr lang="en-US" sz="2000" dirty="0" smtClean="0"/>
+              <a:t>available for checkout.</a:t>
             </a:r>
             <a:endParaRPr lang="en-US" sz="2000" dirty="0"/>
           </a:p>

--- a/CSU-library-material-request.pptx
+++ b/CSU-library-material-request.pptx
@@ -14,19 +14,27 @@
     <p:sldId id="271" r:id="rId8"/>
     <p:sldId id="260" r:id="rId9"/>
     <p:sldId id="278" r:id="rId10"/>
-    <p:sldId id="261" r:id="rId11"/>
-    <p:sldId id="265" r:id="rId12"/>
-    <p:sldId id="266" r:id="rId13"/>
-    <p:sldId id="279" r:id="rId14"/>
-    <p:sldId id="272" r:id="rId15"/>
-    <p:sldId id="273" r:id="rId16"/>
-    <p:sldId id="262" r:id="rId17"/>
-    <p:sldId id="263" r:id="rId18"/>
-    <p:sldId id="269" r:id="rId19"/>
-    <p:sldId id="275" r:id="rId20"/>
-    <p:sldId id="276" r:id="rId21"/>
-    <p:sldId id="264" r:id="rId22"/>
-    <p:sldId id="277" r:id="rId23"/>
+    <p:sldId id="285" r:id="rId11"/>
+    <p:sldId id="261" r:id="rId12"/>
+    <p:sldId id="286" r:id="rId13"/>
+    <p:sldId id="265" r:id="rId14"/>
+    <p:sldId id="266" r:id="rId15"/>
+    <p:sldId id="279" r:id="rId16"/>
+    <p:sldId id="287" r:id="rId17"/>
+    <p:sldId id="272" r:id="rId18"/>
+    <p:sldId id="273" r:id="rId19"/>
+    <p:sldId id="262" r:id="rId20"/>
+    <p:sldId id="280" r:id="rId21"/>
+    <p:sldId id="284" r:id="rId22"/>
+    <p:sldId id="263" r:id="rId23"/>
+    <p:sldId id="269" r:id="rId24"/>
+    <p:sldId id="275" r:id="rId25"/>
+    <p:sldId id="276" r:id="rId26"/>
+    <p:sldId id="281" r:id="rId27"/>
+    <p:sldId id="282" r:id="rId28"/>
+    <p:sldId id="283" r:id="rId29"/>
+    <p:sldId id="264" r:id="rId30"/>
+    <p:sldId id="277" r:id="rId31"/>
   </p:sldIdLst>
   <p:sldSz cx="9144000" cy="6858000" type="screen4x3"/>
   <p:notesSz cx="6858000" cy="9144000"/>
@@ -3206,212 +3214,17 @@
   <p:clrMapOvr>
     <a:masterClrMapping/>
   </p:clrMapOvr>
+  <p:timing>
+    <p:tnLst>
+      <p:par>
+        <p:cTn id="1" dur="indefinite" restart="never" nodeType="tmRoot"/>
+      </p:par>
+    </p:tnLst>
+  </p:timing>
 </p:sld>
 </file>
 
 <file path=ppt/slides/slide10.xml><?xml version="1.0" encoding="utf-8"?>
-<p:sld xmlns:a="http://schemas.openxmlformats.org/drawingml/2006/main" xmlns:r="http://schemas.openxmlformats.org/officeDocument/2006/relationships" xmlns:p="http://schemas.openxmlformats.org/presentationml/2006/main">
-  <p:cSld>
-    <p:spTree>
-      <p:nvGrpSpPr>
-        <p:cNvPr id="1" name=""/>
-        <p:cNvGrpSpPr/>
-        <p:nvPr/>
-      </p:nvGrpSpPr>
-      <p:grpSpPr>
-        <a:xfrm>
-          <a:off x="0" y="0"/>
-          <a:ext cx="0" cy="0"/>
-          <a:chOff x="0" y="0"/>
-          <a:chExt cx="0" cy="0"/>
-        </a:xfrm>
-      </p:grpSpPr>
-      <p:sp>
-        <p:nvSpPr>
-          <p:cNvPr id="2" name="Title 1"/>
-          <p:cNvSpPr>
-            <a:spLocks noGrp="1"/>
-          </p:cNvSpPr>
-          <p:nvPr>
-            <p:ph type="title"/>
-          </p:nvPr>
-        </p:nvSpPr>
-        <p:spPr>
-          <a:xfrm>
-            <a:off x="457200" y="1524000"/>
-            <a:ext cx="8229600" cy="914400"/>
-          </a:xfrm>
-        </p:spPr>
-        <p:txBody>
-          <a:bodyPr>
-            <a:normAutofit/>
-          </a:bodyPr>
-          <a:lstStyle/>
-          <a:p>
-            <a:pPr algn="l"/>
-            <a:r>
-              <a:rPr lang="en-US" sz="3600" dirty="0"/>
-              <a:t>Catalog Integration</a:t>
-            </a:r>
-            <a:endParaRPr lang="en-US" sz="3600" b="1" dirty="0">
-              <a:latin typeface="Arial Black" pitchFamily="34" charset="0"/>
-            </a:endParaRPr>
-          </a:p>
-        </p:txBody>
-      </p:sp>
-      <p:sp>
-        <p:nvSpPr>
-          <p:cNvPr id="3" name="Content Placeholder 2"/>
-          <p:cNvSpPr>
-            <a:spLocks noGrp="1"/>
-          </p:cNvSpPr>
-          <p:nvPr>
-            <p:ph idx="1"/>
-          </p:nvPr>
-        </p:nvSpPr>
-        <p:spPr>
-          <a:xfrm>
-            <a:off x="457200" y="2514600"/>
-            <a:ext cx="8229600" cy="3611563"/>
-          </a:xfrm>
-        </p:spPr>
-        <p:txBody>
-          <a:bodyPr>
-            <a:noAutofit/>
-          </a:bodyPr>
-          <a:lstStyle/>
-          <a:p>
-            <a:r>
-              <a:rPr lang="en-US" sz="1800" dirty="0" smtClean="0"/>
-              <a:t>In </a:t>
-            </a:r>
-            <a:r>
-              <a:rPr lang="en-US" sz="1800" dirty="0"/>
-              <a:t>the MARC record of each DDA </a:t>
-            </a:r>
-            <a:r>
-              <a:rPr lang="en-US" sz="1800" dirty="0" smtClean="0"/>
-              <a:t>book, </a:t>
-            </a:r>
-            <a:r>
-              <a:rPr lang="en-US" sz="1800" dirty="0"/>
-              <a:t>the 856u field contains the request URL http://librequest.colostate.edu.</a:t>
-            </a:r>
-          </a:p>
-          <a:p>
-            <a:r>
-              <a:rPr lang="en-US" sz="1800" dirty="0" smtClean="0"/>
-              <a:t>In </a:t>
-            </a:r>
-            <a:r>
-              <a:rPr lang="en-US" sz="1800" dirty="0"/>
-              <a:t>Discovery </a:t>
-            </a:r>
-            <a:r>
-              <a:rPr lang="en-US" sz="1800" dirty="0" smtClean="0"/>
-              <a:t>display of </a:t>
-            </a:r>
-            <a:r>
-              <a:rPr lang="en-US" sz="1800" dirty="0"/>
-              <a:t>Sage records, </a:t>
-            </a:r>
-            <a:r>
-              <a:rPr lang="en-US" sz="1800" dirty="0" smtClean="0"/>
-              <a:t>books </a:t>
-            </a:r>
-            <a:r>
-              <a:rPr lang="en-US" sz="1800" dirty="0"/>
-              <a:t>with </a:t>
-            </a:r>
-            <a:r>
-              <a:rPr lang="en-US" sz="1800" dirty="0" smtClean="0"/>
-              <a:t>a location code of </a:t>
-            </a:r>
-            <a:r>
-              <a:rPr lang="en-US" sz="1800" dirty="0" err="1" smtClean="0"/>
-              <a:t>iws</a:t>
-            </a:r>
-            <a:r>
-              <a:rPr lang="en-US" sz="1800" dirty="0"/>
-              <a:t> </a:t>
-            </a:r>
-            <a:r>
-              <a:rPr lang="en-US" sz="1800" dirty="0" smtClean="0"/>
-              <a:t>(MARC 998a) </a:t>
-            </a:r>
-            <a:r>
-              <a:rPr lang="en-US" sz="1800" dirty="0"/>
-              <a:t>are </a:t>
-            </a:r>
-            <a:r>
-              <a:rPr lang="en-US" sz="1800" dirty="0"/>
-              <a:t>given a library location of </a:t>
-            </a:r>
-            <a:r>
-              <a:rPr lang="en-US" sz="1800" dirty="0" smtClean="0"/>
-              <a:t>“Books </a:t>
-            </a:r>
-            <a:r>
-              <a:rPr lang="en-US" sz="1800" dirty="0"/>
-              <a:t>Purchased </a:t>
-            </a:r>
-            <a:r>
-              <a:rPr lang="en-US" sz="1800" dirty="0" smtClean="0"/>
-              <a:t>on Request”.</a:t>
-            </a:r>
-            <a:endParaRPr lang="en-US" sz="1800" dirty="0"/>
-          </a:p>
-          <a:p>
-            <a:r>
-              <a:rPr lang="en-US" sz="1800" dirty="0" smtClean="0"/>
-              <a:t>In </a:t>
-            </a:r>
-            <a:r>
-              <a:rPr lang="en-US" sz="1800" dirty="0"/>
-              <a:t>search results and record views in Sage (via JavaScript) and in Discovery (via JavaScript and Smarty templates), if 856 u is the request URL, a button links to the request form.</a:t>
-            </a:r>
-          </a:p>
-          <a:p>
-            <a:r>
-              <a:rPr lang="en-US" sz="1800" dirty="0" smtClean="0"/>
-              <a:t>DDA </a:t>
-            </a:r>
-            <a:r>
-              <a:rPr lang="en-US" sz="1800" dirty="0" smtClean="0"/>
-              <a:t>records do </a:t>
-            </a:r>
-            <a:r>
-              <a:rPr lang="en-US" sz="1800" dirty="0"/>
-              <a:t>not have a bib number in Prospector, so Prospector request links use an ISBN search.</a:t>
-            </a:r>
-          </a:p>
-          <a:p>
-            <a:r>
-              <a:rPr lang="en-US" sz="1800" dirty="0" smtClean="0"/>
-              <a:t>The </a:t>
-            </a:r>
-            <a:r>
-              <a:rPr lang="en-US" sz="1800" dirty="0"/>
-              <a:t>request URL is an alias to the server hosting the application, which the application redirects to the actual URL of the production application: https://wsnet.colostate.edu/cwis6/MaterialRequest/</a:t>
-            </a:r>
-            <a:endParaRPr lang="en-US" sz="1400" dirty="0"/>
-          </a:p>
-        </p:txBody>
-      </p:sp>
-    </p:spTree>
-    <p:extLst>
-      <p:ext uri="{BB962C8B-B14F-4D97-AF65-F5344CB8AC3E}">
-        <p14:creationId xmlns:p14="http://schemas.microsoft.com/office/powerpoint/2010/main" val="1419315368"/>
-      </p:ext>
-    </p:extLst>
-  </p:cSld>
-  <p:clrMapOvr>
-    <a:masterClrMapping/>
-  </p:clrMapOvr>
-</p:sld>
-</file>
-
-<file path=ppt/slides/slide11.xml><?xml version="1.0" encoding="utf-8"?>
 <p:sld xmlns:a="http://schemas.openxmlformats.org/drawingml/2006/main" xmlns:r="http://schemas.openxmlformats.org/officeDocument/2006/relationships" xmlns:p="http://schemas.openxmlformats.org/presentationml/2006/main">
   <p:cSld>
     <p:bg>
@@ -3438,7 +3251,7 @@
       </p:grpSpPr>
       <p:pic>
         <p:nvPicPr>
-          <p:cNvPr id="4" name="Picture 3"/>
+          <p:cNvPr id="2" name="Picture 1"/>
           <p:cNvPicPr>
             <a:picLocks noChangeAspect="1"/>
           </p:cNvPicPr>
@@ -3458,24 +3271,285 @@
         </p:blipFill>
         <p:spPr>
           <a:xfrm>
-            <a:off x="331095" y="0"/>
-            <a:ext cx="8481809" cy="6858000"/>
+            <a:off x="57150" y="1947862"/>
+            <a:ext cx="9029700" cy="2962275"/>
           </a:xfrm>
           <a:prstGeom prst="rect">
             <a:avLst/>
           </a:prstGeom>
         </p:spPr>
       </p:pic>
+      <p:sp>
+        <p:nvSpPr>
+          <p:cNvPr id="3" name="TextBox 2"/>
+          <p:cNvSpPr txBox="1"/>
+          <p:nvPr/>
+        </p:nvSpPr>
+        <p:spPr>
+          <a:xfrm>
+            <a:off x="0" y="6488668"/>
+            <a:ext cx="9123075" cy="369332"/>
+          </a:xfrm>
+          <a:prstGeom prst="rect">
+            <a:avLst/>
+          </a:prstGeom>
+          <a:solidFill>
+            <a:srgbClr val="FFFFFF"/>
+          </a:solidFill>
+        </p:spPr>
+        <p:txBody>
+          <a:bodyPr wrap="none" rtlCol="0">
+            <a:spAutoFit/>
+          </a:bodyPr>
+          <a:lstStyle/>
+          <a:p>
+            <a:r>
+              <a:rPr lang="en-US" dirty="0" smtClean="0"/>
+              <a:t>Material Request – </a:t>
+            </a:r>
+            <a:r>
+              <a:rPr lang="en-US" dirty="0" err="1" smtClean="0"/>
+              <a:t>AuthProcess.aspx.cs</a:t>
+            </a:r>
+            <a:r>
+              <a:rPr lang="en-US" dirty="0" smtClean="0"/>
+              <a:t> - get person details from WEID database table</a:t>
+            </a:r>
+            <a:endParaRPr lang="en-US" dirty="0"/>
+          </a:p>
+        </p:txBody>
+      </p:sp>
     </p:spTree>
     <p:extLst>
       <p:ext uri="{BB962C8B-B14F-4D97-AF65-F5344CB8AC3E}">
-        <p14:creationId xmlns:p14="http://schemas.microsoft.com/office/powerpoint/2010/main" val="2988795537"/>
+        <p14:creationId xmlns:p14="http://schemas.microsoft.com/office/powerpoint/2010/main" val="122397132"/>
       </p:ext>
     </p:extLst>
   </p:cSld>
   <p:clrMapOvr>
     <a:masterClrMapping/>
   </p:clrMapOvr>
+  <p:timing>
+    <p:tnLst>
+      <p:par>
+        <p:cTn id="1" dur="indefinite" restart="never" nodeType="tmRoot"/>
+      </p:par>
+    </p:tnLst>
+  </p:timing>
+</p:sld>
+</file>
+
+<file path=ppt/slides/slide11.xml><?xml version="1.0" encoding="utf-8"?>
+<p:sld xmlns:a="http://schemas.openxmlformats.org/drawingml/2006/main" xmlns:r="http://schemas.openxmlformats.org/officeDocument/2006/relationships" xmlns:p="http://schemas.openxmlformats.org/presentationml/2006/main">
+  <p:cSld>
+    <p:spTree>
+      <p:nvGrpSpPr>
+        <p:cNvPr id="1" name=""/>
+        <p:cNvGrpSpPr/>
+        <p:nvPr/>
+      </p:nvGrpSpPr>
+      <p:grpSpPr>
+        <a:xfrm>
+          <a:off x="0" y="0"/>
+          <a:ext cx="0" cy="0"/>
+          <a:chOff x="0" y="0"/>
+          <a:chExt cx="0" cy="0"/>
+        </a:xfrm>
+      </p:grpSpPr>
+      <p:sp>
+        <p:nvSpPr>
+          <p:cNvPr id="2" name="Title 1"/>
+          <p:cNvSpPr>
+            <a:spLocks noGrp="1"/>
+          </p:cNvSpPr>
+          <p:nvPr>
+            <p:ph type="title"/>
+          </p:nvPr>
+        </p:nvSpPr>
+        <p:spPr>
+          <a:xfrm>
+            <a:off x="457200" y="1524000"/>
+            <a:ext cx="8229600" cy="914400"/>
+          </a:xfrm>
+        </p:spPr>
+        <p:txBody>
+          <a:bodyPr>
+            <a:normAutofit/>
+          </a:bodyPr>
+          <a:lstStyle/>
+          <a:p>
+            <a:pPr algn="l"/>
+            <a:r>
+              <a:rPr lang="en-US" sz="3600" dirty="0"/>
+              <a:t>Catalog Integration</a:t>
+            </a:r>
+            <a:endParaRPr lang="en-US" sz="3600" b="1" dirty="0">
+              <a:latin typeface="Arial Black" pitchFamily="34" charset="0"/>
+            </a:endParaRPr>
+          </a:p>
+        </p:txBody>
+      </p:sp>
+      <p:sp>
+        <p:nvSpPr>
+          <p:cNvPr id="3" name="Content Placeholder 2"/>
+          <p:cNvSpPr>
+            <a:spLocks noGrp="1"/>
+          </p:cNvSpPr>
+          <p:nvPr>
+            <p:ph idx="1"/>
+          </p:nvPr>
+        </p:nvSpPr>
+        <p:spPr>
+          <a:xfrm>
+            <a:off x="457200" y="2514600"/>
+            <a:ext cx="8229600" cy="3611563"/>
+          </a:xfrm>
+        </p:spPr>
+        <p:txBody>
+          <a:bodyPr>
+            <a:noAutofit/>
+          </a:bodyPr>
+          <a:lstStyle/>
+          <a:p>
+            <a:r>
+              <a:rPr lang="en-US" sz="1800" dirty="0" smtClean="0"/>
+              <a:t>In </a:t>
+            </a:r>
+            <a:r>
+              <a:rPr lang="en-US" sz="1800" dirty="0"/>
+              <a:t>the MARC record of each DDA </a:t>
+            </a:r>
+            <a:r>
+              <a:rPr lang="en-US" sz="1800" dirty="0" smtClean="0"/>
+              <a:t>book, </a:t>
+            </a:r>
+            <a:r>
+              <a:rPr lang="en-US" sz="1800" dirty="0"/>
+              <a:t>the 856u field contains the request URL http://librequest.colostate.edu.</a:t>
+            </a:r>
+          </a:p>
+          <a:p>
+            <a:r>
+              <a:rPr lang="en-US" sz="1800" dirty="0" smtClean="0"/>
+              <a:t>In </a:t>
+            </a:r>
+            <a:r>
+              <a:rPr lang="en-US" sz="1800" dirty="0"/>
+              <a:t>Discovery </a:t>
+            </a:r>
+            <a:r>
+              <a:rPr lang="en-US" sz="1800" dirty="0" smtClean="0"/>
+              <a:t>display of </a:t>
+            </a:r>
+            <a:r>
+              <a:rPr lang="en-US" sz="1800" dirty="0"/>
+              <a:t>Sage records, </a:t>
+            </a:r>
+            <a:r>
+              <a:rPr lang="en-US" sz="1800" dirty="0" smtClean="0"/>
+              <a:t>books </a:t>
+            </a:r>
+            <a:r>
+              <a:rPr lang="en-US" sz="1800" dirty="0"/>
+              <a:t>with </a:t>
+            </a:r>
+            <a:r>
+              <a:rPr lang="en-US" sz="1800" dirty="0" smtClean="0"/>
+              <a:t>a location code of </a:t>
+            </a:r>
+            <a:r>
+              <a:rPr lang="en-US" sz="1800" dirty="0" err="1" smtClean="0"/>
+              <a:t>iws</a:t>
+            </a:r>
+            <a:r>
+              <a:rPr lang="en-US" sz="1800" dirty="0"/>
+              <a:t> </a:t>
+            </a:r>
+            <a:r>
+              <a:rPr lang="en-US" sz="1800" dirty="0" smtClean="0"/>
+              <a:t>(MARC </a:t>
+            </a:r>
+            <a:r>
+              <a:rPr lang="en-US" sz="1800" dirty="0" smtClean="0"/>
+              <a:t>998a</a:t>
+            </a:r>
+            <a:r>
+              <a:rPr lang="en-US" sz="1800" dirty="0" smtClean="0"/>
+              <a:t>) </a:t>
+            </a:r>
+            <a:r>
+              <a:rPr lang="en-US" sz="1800" dirty="0"/>
+              <a:t>are given a library location of </a:t>
+            </a:r>
+            <a:r>
+              <a:rPr lang="en-US" sz="1800" dirty="0" smtClean="0"/>
+              <a:t>“Books </a:t>
+            </a:r>
+            <a:r>
+              <a:rPr lang="en-US" sz="1800" dirty="0"/>
+              <a:t>Purchased </a:t>
+            </a:r>
+            <a:r>
+              <a:rPr lang="en-US" sz="1800" dirty="0" smtClean="0"/>
+              <a:t>on Request”.</a:t>
+            </a:r>
+            <a:endParaRPr lang="en-US" sz="1800" dirty="0"/>
+          </a:p>
+          <a:p>
+            <a:r>
+              <a:rPr lang="en-US" sz="1800" dirty="0" smtClean="0"/>
+              <a:t>In </a:t>
+            </a:r>
+            <a:r>
+              <a:rPr lang="en-US" sz="1800" dirty="0"/>
+              <a:t>search results and record views in Sage (via JavaScript) and in Discovery (via JavaScript and Smarty templates), if 856 u is the request URL, a button links to the request form</a:t>
+            </a:r>
+            <a:r>
+              <a:rPr lang="en-US" sz="1800" dirty="0" smtClean="0"/>
+              <a:t>. (856 z contains the text of the button.)</a:t>
+            </a:r>
+            <a:endParaRPr lang="en-US" sz="1800" dirty="0"/>
+          </a:p>
+          <a:p>
+            <a:r>
+              <a:rPr lang="en-US" sz="1800" dirty="0" smtClean="0"/>
+              <a:t>DDA records do </a:t>
+            </a:r>
+            <a:r>
+              <a:rPr lang="en-US" sz="1800" dirty="0"/>
+              <a:t>not have a bib number in Prospector, so Prospector request links use an ISBN search.</a:t>
+            </a:r>
+          </a:p>
+          <a:p>
+            <a:r>
+              <a:rPr lang="en-US" sz="1800" dirty="0" smtClean="0"/>
+              <a:t>The </a:t>
+            </a:r>
+            <a:r>
+              <a:rPr lang="en-US" sz="1800" dirty="0"/>
+              <a:t>request URL is an alias to the server hosting the application, which the application redirects to the actual URL of the production application: https://wsnet.colostate.edu/cwis6/MaterialRequest/</a:t>
+            </a:r>
+            <a:endParaRPr lang="en-US" sz="1400" dirty="0"/>
+          </a:p>
+        </p:txBody>
+      </p:sp>
+    </p:spTree>
+    <p:extLst>
+      <p:ext uri="{BB962C8B-B14F-4D97-AF65-F5344CB8AC3E}">
+        <p14:creationId xmlns:p14="http://schemas.microsoft.com/office/powerpoint/2010/main" val="1419315368"/>
+      </p:ext>
+    </p:extLst>
+  </p:cSld>
+  <p:clrMapOvr>
+    <a:masterClrMapping/>
+  </p:clrMapOvr>
+  <p:timing>
+    <p:tnLst>
+      <p:par>
+        <p:cTn id="1" dur="indefinite" restart="never" nodeType="tmRoot"/>
+      </p:par>
+    </p:tnLst>
+  </p:timing>
 </p:sld>
 </file>
 
@@ -3526,18 +3600,58 @@
         </p:blipFill>
         <p:spPr>
           <a:xfrm>
-            <a:off x="208209" y="0"/>
-            <a:ext cx="8727581" cy="6858000"/>
+            <a:off x="2824163" y="133350"/>
+            <a:ext cx="3495675" cy="6191250"/>
           </a:xfrm>
           <a:prstGeom prst="rect">
             <a:avLst/>
           </a:prstGeom>
         </p:spPr>
       </p:pic>
+      <p:sp>
+        <p:nvSpPr>
+          <p:cNvPr id="3" name="TextBox 2"/>
+          <p:cNvSpPr txBox="1"/>
+          <p:nvPr/>
+        </p:nvSpPr>
+        <p:spPr>
+          <a:xfrm>
+            <a:off x="571546" y="6412468"/>
+            <a:ext cx="8000908" cy="369332"/>
+          </a:xfrm>
+          <a:prstGeom prst="rect">
+            <a:avLst/>
+          </a:prstGeom>
+          <a:solidFill>
+            <a:srgbClr val="FFFFFF"/>
+          </a:solidFill>
+        </p:spPr>
+        <p:txBody>
+          <a:bodyPr wrap="none" rtlCol="0">
+            <a:spAutoFit/>
+          </a:bodyPr>
+          <a:lstStyle/>
+          <a:p>
+            <a:r>
+              <a:rPr lang="en-US" dirty="0" smtClean="0"/>
+              <a:t>Discovery configuration file locations.ini (</a:t>
+            </a:r>
+            <a:r>
+              <a:rPr lang="en-US" dirty="0" err="1" smtClean="0"/>
+              <a:t>iws</a:t>
+            </a:r>
+            <a:r>
+              <a:rPr lang="en-US" dirty="0" smtClean="0"/>
+              <a:t> = Books Purchased on Request)</a:t>
+            </a:r>
+            <a:endParaRPr lang="en-US" dirty="0"/>
+          </a:p>
+        </p:txBody>
+      </p:sp>
     </p:spTree>
     <p:extLst>
       <p:ext uri="{BB962C8B-B14F-4D97-AF65-F5344CB8AC3E}">
-        <p14:creationId xmlns:p14="http://schemas.microsoft.com/office/powerpoint/2010/main" val="4175989857"/>
+        <p14:creationId xmlns:p14="http://schemas.microsoft.com/office/powerpoint/2010/main" val="2399275382"/>
       </p:ext>
     </p:extLst>
   </p:cSld>
@@ -3548,6 +3662,121 @@
 </file>
 
 <file path=ppt/slides/slide13.xml><?xml version="1.0" encoding="utf-8"?>
+<p:sld xmlns:a="http://schemas.openxmlformats.org/drawingml/2006/main" xmlns:r="http://schemas.openxmlformats.org/officeDocument/2006/relationships" xmlns:p="http://schemas.openxmlformats.org/presentationml/2006/main">
+  <p:cSld>
+    <p:bg>
+      <p:bgPr>
+        <a:solidFill>
+          <a:schemeClr val="accent1"/>
+        </a:solidFill>
+        <a:effectLst/>
+      </p:bgPr>
+    </p:bg>
+    <p:spTree>
+      <p:nvGrpSpPr>
+        <p:cNvPr id="1" name=""/>
+        <p:cNvGrpSpPr/>
+        <p:nvPr/>
+      </p:nvGrpSpPr>
+      <p:grpSpPr>
+        <a:xfrm>
+          <a:off x="0" y="0"/>
+          <a:ext cx="0" cy="0"/>
+          <a:chOff x="0" y="0"/>
+          <a:chExt cx="0" cy="0"/>
+        </a:xfrm>
+      </p:grpSpPr>
+      <p:pic>
+        <p:nvPicPr>
+          <p:cNvPr id="4" name="Picture 3"/>
+          <p:cNvPicPr>
+            <a:picLocks noChangeAspect="1"/>
+          </p:cNvPicPr>
+          <p:nvPr/>
+        </p:nvPicPr>
+        <p:blipFill>
+          <a:blip r:embed="rId2">
+            <a:extLst>
+              <a:ext uri="{28A0092B-C50C-407E-A947-70E740481C1C}">
+                <a14:useLocalDpi xmlns:a14="http://schemas.microsoft.com/office/drawing/2010/main" val="0"/>
+              </a:ext>
+            </a:extLst>
+          </a:blip>
+          <a:stretch>
+            <a:fillRect/>
+          </a:stretch>
+        </p:blipFill>
+        <p:spPr>
+          <a:xfrm>
+            <a:off x="331095" y="0"/>
+            <a:ext cx="8481809" cy="6858000"/>
+          </a:xfrm>
+          <a:prstGeom prst="rect">
+            <a:avLst/>
+          </a:prstGeom>
+        </p:spPr>
+      </p:pic>
+      <p:sp>
+        <p:nvSpPr>
+          <p:cNvPr id="3" name="TextBox 2"/>
+          <p:cNvSpPr txBox="1"/>
+          <p:nvPr/>
+        </p:nvSpPr>
+        <p:spPr>
+          <a:xfrm>
+            <a:off x="168391" y="6412468"/>
+            <a:ext cx="8807219" cy="369332"/>
+          </a:xfrm>
+          <a:prstGeom prst="rect">
+            <a:avLst/>
+          </a:prstGeom>
+          <a:solidFill>
+            <a:srgbClr val="FFFFFF"/>
+          </a:solidFill>
+        </p:spPr>
+        <p:txBody>
+          <a:bodyPr wrap="none" rtlCol="0">
+            <a:spAutoFit/>
+          </a:bodyPr>
+          <a:lstStyle/>
+          <a:p>
+            <a:r>
+              <a:rPr lang="en-US" dirty="0" smtClean="0"/>
+              <a:t>Library Catalog (Discovery) home page with </a:t>
+            </a:r>
+            <a:r>
+              <a:rPr lang="en-US" dirty="0"/>
+              <a:t>location </a:t>
+            </a:r>
+            <a:r>
+              <a:rPr lang="en-US" dirty="0" smtClean="0"/>
+              <a:t>“Books Purchased on Request”</a:t>
+            </a:r>
+            <a:endParaRPr lang="en-US" dirty="0"/>
+          </a:p>
+        </p:txBody>
+      </p:sp>
+    </p:spTree>
+    <p:extLst>
+      <p:ext uri="{BB962C8B-B14F-4D97-AF65-F5344CB8AC3E}">
+        <p14:creationId xmlns:p14="http://schemas.microsoft.com/office/powerpoint/2010/main" val="2988795537"/>
+      </p:ext>
+    </p:extLst>
+  </p:cSld>
+  <p:clrMapOvr>
+    <a:masterClrMapping/>
+  </p:clrMapOvr>
+  <p:timing>
+    <p:tnLst>
+      <p:par>
+        <p:cTn id="1" dur="indefinite" restart="never" nodeType="tmRoot"/>
+      </p:par>
+    </p:tnLst>
+  </p:timing>
+</p:sld>
+</file>
+
+<file path=ppt/slides/slide14.xml><?xml version="1.0" encoding="utf-8"?>
 <p:sld xmlns:a="http://schemas.openxmlformats.org/drawingml/2006/main" xmlns:r="http://schemas.openxmlformats.org/officeDocument/2006/relationships" xmlns:p="http://schemas.openxmlformats.org/presentationml/2006/main">
   <p:cSld>
     <p:bg>
@@ -3594,93 +3823,50 @@
         </p:blipFill>
         <p:spPr>
           <a:xfrm>
-            <a:off x="2125793" y="0"/>
-            <a:ext cx="4892414" cy="6858000"/>
+            <a:off x="208209" y="0"/>
+            <a:ext cx="8727581" cy="6858000"/>
           </a:xfrm>
           <a:prstGeom prst="rect">
             <a:avLst/>
           </a:prstGeom>
         </p:spPr>
       </p:pic>
+      <p:sp>
+        <p:nvSpPr>
+          <p:cNvPr id="3" name="TextBox 2"/>
+          <p:cNvSpPr txBox="1"/>
+          <p:nvPr/>
+        </p:nvSpPr>
+        <p:spPr>
+          <a:xfrm>
+            <a:off x="581164" y="6412468"/>
+            <a:ext cx="7686784" cy="369332"/>
+          </a:xfrm>
+          <a:prstGeom prst="rect">
+            <a:avLst/>
+          </a:prstGeom>
+          <a:solidFill>
+            <a:srgbClr val="FFFFFF"/>
+          </a:solidFill>
+        </p:spPr>
+        <p:txBody>
+          <a:bodyPr wrap="none" rtlCol="0">
+            <a:spAutoFit/>
+          </a:bodyPr>
+          <a:lstStyle/>
+          <a:p>
+            <a:r>
+              <a:rPr lang="en-US" dirty="0" smtClean="0"/>
+              <a:t>Library Catalog (Discovery) DDA facet and search results with request link</a:t>
+            </a:r>
+            <a:endParaRPr lang="en-US" dirty="0"/>
+          </a:p>
+        </p:txBody>
+      </p:sp>
     </p:spTree>
     <p:extLst>
       <p:ext uri="{BB962C8B-B14F-4D97-AF65-F5344CB8AC3E}">
-        <p14:creationId xmlns:p14="http://schemas.microsoft.com/office/powerpoint/2010/main" val="3369724993"/>
-      </p:ext>
-    </p:extLst>
-  </p:cSld>
-  <p:clrMapOvr>
-    <a:masterClrMapping/>
-  </p:clrMapOvr>
-  <p:timing>
-    <p:tnLst>
-      <p:par>
-        <p:cTn id="1" dur="indefinite" restart="never" nodeType="tmRoot"/>
-      </p:par>
-    </p:tnLst>
-  </p:timing>
-</p:sld>
-</file>
-
-<file path=ppt/slides/slide14.xml><?xml version="1.0" encoding="utf-8"?>
-<p:sld xmlns:a="http://schemas.openxmlformats.org/drawingml/2006/main" xmlns:r="http://schemas.openxmlformats.org/officeDocument/2006/relationships" xmlns:p="http://schemas.openxmlformats.org/presentationml/2006/main">
-  <p:cSld>
-    <p:bg>
-      <p:bgPr>
-        <a:solidFill>
-          <a:schemeClr val="accent1"/>
-        </a:solidFill>
-        <a:effectLst/>
-      </p:bgPr>
-    </p:bg>
-    <p:spTree>
-      <p:nvGrpSpPr>
-        <p:cNvPr id="1" name=""/>
-        <p:cNvGrpSpPr/>
-        <p:nvPr/>
-      </p:nvGrpSpPr>
-      <p:grpSpPr>
-        <a:xfrm>
-          <a:off x="0" y="0"/>
-          <a:ext cx="0" cy="0"/>
-          <a:chOff x="0" y="0"/>
-          <a:chExt cx="0" cy="0"/>
-        </a:xfrm>
-      </p:grpSpPr>
-      <p:pic>
-        <p:nvPicPr>
-          <p:cNvPr id="4" name="Picture 3"/>
-          <p:cNvPicPr>
-            <a:picLocks noChangeAspect="1"/>
-          </p:cNvPicPr>
-          <p:nvPr/>
-        </p:nvPicPr>
-        <p:blipFill>
-          <a:blip r:embed="rId2">
-            <a:extLst>
-              <a:ext uri="{28A0092B-C50C-407E-A947-70E740481C1C}">
-                <a14:useLocalDpi xmlns:a14="http://schemas.microsoft.com/office/drawing/2010/main" val="0"/>
-              </a:ext>
-            </a:extLst>
-          </a:blip>
-          <a:stretch>
-            <a:fillRect/>
-          </a:stretch>
-        </p:blipFill>
-        <p:spPr>
-          <a:xfrm>
-            <a:off x="0" y="254783"/>
-            <a:ext cx="9144000" cy="6348433"/>
-          </a:xfrm>
-          <a:prstGeom prst="rect">
-            <a:avLst/>
-          </a:prstGeom>
-        </p:spPr>
-      </p:pic>
-    </p:spTree>
-    <p:extLst>
-      <p:ext uri="{BB962C8B-B14F-4D97-AF65-F5344CB8AC3E}">
-        <p14:creationId xmlns:p14="http://schemas.microsoft.com/office/powerpoint/2010/main" val="541821296"/>
+        <p14:creationId xmlns:p14="http://schemas.microsoft.com/office/powerpoint/2010/main" val="4175989857"/>
       </p:ext>
     </p:extLst>
   </p:cSld>
@@ -3744,30 +3930,77 @@
         </p:blipFill>
         <p:spPr>
           <a:xfrm>
-            <a:off x="223837" y="1562100"/>
-            <a:ext cx="8696325" cy="3733800"/>
+            <a:off x="2125793" y="0"/>
+            <a:ext cx="4892414" cy="6858000"/>
           </a:xfrm>
           <a:prstGeom prst="rect">
             <a:avLst/>
           </a:prstGeom>
         </p:spPr>
       </p:pic>
+      <p:sp>
+        <p:nvSpPr>
+          <p:cNvPr id="3" name="TextBox 2"/>
+          <p:cNvSpPr txBox="1"/>
+          <p:nvPr/>
+        </p:nvSpPr>
+        <p:spPr>
+          <a:xfrm>
+            <a:off x="581164" y="6412468"/>
+            <a:ext cx="7981672" cy="369332"/>
+          </a:xfrm>
+          <a:prstGeom prst="rect">
+            <a:avLst/>
+          </a:prstGeom>
+          <a:solidFill>
+            <a:srgbClr val="FFFFFF"/>
+          </a:solidFill>
+        </p:spPr>
+        <p:txBody>
+          <a:bodyPr wrap="none" rtlCol="0">
+            <a:spAutoFit/>
+          </a:bodyPr>
+          <a:lstStyle/>
+          <a:p>
+            <a:r>
+              <a:rPr lang="en-US" dirty="0" smtClean="0"/>
+              <a:t>Library Catalog (Discovery) MARC view with request link, 856 and 998 fields</a:t>
+            </a:r>
+            <a:endParaRPr lang="en-US" dirty="0"/>
+          </a:p>
+        </p:txBody>
+      </p:sp>
     </p:spTree>
     <p:extLst>
       <p:ext uri="{BB962C8B-B14F-4D97-AF65-F5344CB8AC3E}">
-        <p14:creationId xmlns:p14="http://schemas.microsoft.com/office/powerpoint/2010/main" val="2538061363"/>
+        <p14:creationId xmlns:p14="http://schemas.microsoft.com/office/powerpoint/2010/main" val="3369724993"/>
       </p:ext>
     </p:extLst>
   </p:cSld>
   <p:clrMapOvr>
     <a:masterClrMapping/>
   </p:clrMapOvr>
+  <p:timing>
+    <p:tnLst>
+      <p:par>
+        <p:cTn id="1" dur="indefinite" restart="never" nodeType="tmRoot"/>
+      </p:par>
+    </p:tnLst>
+  </p:timing>
 </p:sld>
 </file>
 
 <file path=ppt/slides/slide16.xml><?xml version="1.0" encoding="utf-8"?>
 <p:sld xmlns:a="http://schemas.openxmlformats.org/drawingml/2006/main" xmlns:r="http://schemas.openxmlformats.org/officeDocument/2006/relationships" xmlns:p="http://schemas.openxmlformats.org/presentationml/2006/main">
   <p:cSld>
+    <p:bg>
+      <p:bgPr>
+        <a:solidFill>
+          <a:schemeClr val="accent1"/>
+        </a:solidFill>
+        <a:effectLst/>
+      </p:bgPr>
+    </p:bg>
     <p:spTree>
       <p:nvGrpSpPr>
         <p:cNvPr id="1" name=""/>
@@ -3782,116 +4015,99 @@
           <a:chExt cx="0" cy="0"/>
         </a:xfrm>
       </p:grpSpPr>
-      <p:sp>
-        <p:nvSpPr>
-          <p:cNvPr id="2" name="Title 1"/>
-          <p:cNvSpPr>
-            <a:spLocks noGrp="1"/>
-          </p:cNvSpPr>
-          <p:nvPr>
-            <p:ph type="title"/>
-          </p:nvPr>
-        </p:nvSpPr>
-        <p:spPr>
-          <a:xfrm>
-            <a:off x="457200" y="1524000"/>
-            <a:ext cx="8229600" cy="914400"/>
-          </a:xfrm>
-        </p:spPr>
-        <p:txBody>
-          <a:bodyPr>
-            <a:normAutofit/>
+      <p:pic>
+        <p:nvPicPr>
+          <p:cNvPr id="2" name="Picture 1"/>
+          <p:cNvPicPr>
+            <a:picLocks noChangeAspect="1"/>
+          </p:cNvPicPr>
+          <p:nvPr/>
+        </p:nvPicPr>
+        <p:blipFill>
+          <a:blip r:embed="rId2">
+            <a:extLst>
+              <a:ext uri="{28A0092B-C50C-407E-A947-70E740481C1C}">
+                <a14:useLocalDpi xmlns:a14="http://schemas.microsoft.com/office/drawing/2010/main" val="0"/>
+              </a:ext>
+            </a:extLst>
+          </a:blip>
+          <a:stretch>
+            <a:fillRect/>
+          </a:stretch>
+        </p:blipFill>
+        <p:spPr>
+          <a:xfrm>
+            <a:off x="252459" y="0"/>
+            <a:ext cx="8639082" cy="6858000"/>
+          </a:xfrm>
+          <a:prstGeom prst="rect">
+            <a:avLst/>
+          </a:prstGeom>
+        </p:spPr>
+      </p:pic>
+      <p:sp>
+        <p:nvSpPr>
+          <p:cNvPr id="3" name="TextBox 2"/>
+          <p:cNvSpPr txBox="1"/>
+          <p:nvPr/>
+        </p:nvSpPr>
+        <p:spPr>
+          <a:xfrm>
+            <a:off x="1709678" y="6488668"/>
+            <a:ext cx="5724644" cy="369332"/>
+          </a:xfrm>
+          <a:prstGeom prst="rect">
+            <a:avLst/>
+          </a:prstGeom>
+          <a:solidFill>
+            <a:srgbClr val="FFFFFF"/>
+          </a:solidFill>
+        </p:spPr>
+        <p:txBody>
+          <a:bodyPr wrap="none" rtlCol="0">
+            <a:spAutoFit/>
           </a:bodyPr>
           <a:lstStyle/>
           <a:p>
-            <a:pPr algn="l"/>
-            <a:r>
-              <a:rPr lang="en-US" sz="3600" dirty="0" smtClean="0"/>
-              <a:t>Application Workflow: Catalog Record</a:t>
-            </a:r>
-            <a:endParaRPr lang="en-US" sz="3600" b="1" dirty="0">
-              <a:latin typeface="Arial Black" pitchFamily="34" charset="0"/>
-            </a:endParaRPr>
-          </a:p>
-        </p:txBody>
-      </p:sp>
-      <p:sp>
-        <p:nvSpPr>
-          <p:cNvPr id="3" name="Content Placeholder 2"/>
-          <p:cNvSpPr>
-            <a:spLocks noGrp="1"/>
-          </p:cNvSpPr>
-          <p:nvPr>
-            <p:ph idx="1"/>
-          </p:nvPr>
-        </p:nvSpPr>
-        <p:spPr>
-          <a:xfrm>
-            <a:off x="457200" y="2514600"/>
-            <a:ext cx="8229600" cy="3611563"/>
-          </a:xfrm>
-        </p:spPr>
-        <p:txBody>
-          <a:bodyPr>
-            <a:noAutofit/>
-          </a:bodyPr>
-          <a:lstStyle/>
-          <a:p>
-            <a:r>
-              <a:rPr lang="en-US" sz="2000" dirty="0" smtClean="0"/>
-              <a:t>The </a:t>
-            </a:r>
-            <a:r>
-              <a:rPr lang="en-US" sz="2000" dirty="0"/>
-              <a:t>referring URL of the record is passed to the form upon login.</a:t>
-            </a:r>
-          </a:p>
-          <a:p>
-            <a:r>
-              <a:rPr lang="en-US" sz="2000" dirty="0" smtClean="0"/>
-              <a:t>The </a:t>
-            </a:r>
-            <a:r>
-              <a:rPr lang="en-US" sz="2000" dirty="0"/>
-              <a:t>bib number is extracted from the referring URL using a regular expression. Sage: record=b1234567 Discovery: Record/.b1234567X</a:t>
-            </a:r>
-          </a:p>
-          <a:p>
-            <a:r>
-              <a:rPr lang="en-US" sz="2000" dirty="0" smtClean="0"/>
-              <a:t>The </a:t>
-            </a:r>
-            <a:r>
-              <a:rPr lang="en-US" sz="2000" dirty="0"/>
-              <a:t>bib number is looked up in Discovery's </a:t>
-            </a:r>
-            <a:r>
-              <a:rPr lang="en-US" sz="2000" dirty="0" err="1"/>
-              <a:t>Solr</a:t>
-            </a:r>
-            <a:r>
-              <a:rPr lang="en-US" sz="2000" dirty="0"/>
-              <a:t> database for details, including title, author, publisher and ISBNs. </a:t>
-            </a:r>
+            <a:r>
+              <a:rPr lang="en-US" dirty="0" smtClean="0"/>
+              <a:t>Library Catalog (Sage) search results with request link</a:t>
+            </a:r>
+            <a:endParaRPr lang="en-US" dirty="0"/>
           </a:p>
         </p:txBody>
       </p:sp>
     </p:spTree>
     <p:extLst>
       <p:ext uri="{BB962C8B-B14F-4D97-AF65-F5344CB8AC3E}">
-        <p14:creationId xmlns:p14="http://schemas.microsoft.com/office/powerpoint/2010/main" val="2503768695"/>
+        <p14:creationId xmlns:p14="http://schemas.microsoft.com/office/powerpoint/2010/main" val="2721596915"/>
       </p:ext>
     </p:extLst>
   </p:cSld>
   <p:clrMapOvr>
     <a:masterClrMapping/>
   </p:clrMapOvr>
+  <p:timing>
+    <p:tnLst>
+      <p:par>
+        <p:cTn id="1" dur="indefinite" restart="never" nodeType="tmRoot"/>
+      </p:par>
+    </p:tnLst>
+  </p:timing>
 </p:sld>
 </file>
 
 <file path=ppt/slides/slide17.xml><?xml version="1.0" encoding="utf-8"?>
 <p:sld xmlns:a="http://schemas.openxmlformats.org/drawingml/2006/main" xmlns:r="http://schemas.openxmlformats.org/officeDocument/2006/relationships" xmlns:p="http://schemas.openxmlformats.org/presentationml/2006/main">
   <p:cSld>
+    <p:bg>
+      <p:bgPr>
+        <a:solidFill>
+          <a:schemeClr val="accent1"/>
+        </a:solidFill>
+        <a:effectLst/>
+      </p:bgPr>
+    </p:bg>
     <p:spTree>
       <p:nvGrpSpPr>
         <p:cNvPr id="1" name=""/>
@@ -3906,142 +4122,85 @@
           <a:chExt cx="0" cy="0"/>
         </a:xfrm>
       </p:grpSpPr>
-      <p:sp>
-        <p:nvSpPr>
-          <p:cNvPr id="2" name="Title 1"/>
-          <p:cNvSpPr>
-            <a:spLocks noGrp="1"/>
-          </p:cNvSpPr>
-          <p:nvPr>
-            <p:ph type="title"/>
-          </p:nvPr>
-        </p:nvSpPr>
-        <p:spPr>
-          <a:xfrm>
-            <a:off x="457200" y="1524000"/>
-            <a:ext cx="8229600" cy="914400"/>
-          </a:xfrm>
-        </p:spPr>
-        <p:txBody>
-          <a:bodyPr>
-            <a:normAutofit fontScale="90000"/>
+      <p:pic>
+        <p:nvPicPr>
+          <p:cNvPr id="4" name="Picture 3"/>
+          <p:cNvPicPr>
+            <a:picLocks noChangeAspect="1"/>
+          </p:cNvPicPr>
+          <p:nvPr/>
+        </p:nvPicPr>
+        <p:blipFill>
+          <a:blip r:embed="rId2">
+            <a:extLst>
+              <a:ext uri="{28A0092B-C50C-407E-A947-70E740481C1C}">
+                <a14:useLocalDpi xmlns:a14="http://schemas.microsoft.com/office/drawing/2010/main" val="0"/>
+              </a:ext>
+            </a:extLst>
+          </a:blip>
+          <a:stretch>
+            <a:fillRect/>
+          </a:stretch>
+        </p:blipFill>
+        <p:spPr>
+          <a:xfrm>
+            <a:off x="0" y="0"/>
+            <a:ext cx="9144000" cy="6348433"/>
+          </a:xfrm>
+          <a:prstGeom prst="rect">
+            <a:avLst/>
+          </a:prstGeom>
+        </p:spPr>
+      </p:pic>
+      <p:sp>
+        <p:nvSpPr>
+          <p:cNvPr id="3" name="TextBox 2"/>
+          <p:cNvSpPr txBox="1"/>
+          <p:nvPr/>
+        </p:nvSpPr>
+        <p:spPr>
+          <a:xfrm>
+            <a:off x="2209815" y="6412468"/>
+            <a:ext cx="4724370" cy="369332"/>
+          </a:xfrm>
+          <a:prstGeom prst="rect">
+            <a:avLst/>
+          </a:prstGeom>
+          <a:solidFill>
+            <a:srgbClr val="FFFFFF"/>
+          </a:solidFill>
+        </p:spPr>
+        <p:txBody>
+          <a:bodyPr wrap="none" rtlCol="0">
+            <a:spAutoFit/>
           </a:bodyPr>
           <a:lstStyle/>
           <a:p>
-            <a:pPr algn="l"/>
-            <a:r>
-              <a:rPr lang="en-US" sz="3600" dirty="0" smtClean="0"/>
-              <a:t>Application Workflow: Prospector Record</a:t>
-            </a:r>
-            <a:endParaRPr lang="en-US" sz="3600" b="1" dirty="0">
-              <a:latin typeface="Arial Black" pitchFamily="34" charset="0"/>
-            </a:endParaRPr>
-          </a:p>
-        </p:txBody>
-      </p:sp>
-      <p:sp>
-        <p:nvSpPr>
-          <p:cNvPr id="3" name="Content Placeholder 2"/>
-          <p:cNvSpPr>
-            <a:spLocks noGrp="1"/>
-          </p:cNvSpPr>
-          <p:nvPr>
-            <p:ph idx="1"/>
-          </p:nvPr>
-        </p:nvSpPr>
-        <p:spPr>
-          <a:xfrm>
-            <a:off x="457200" y="2514600"/>
-            <a:ext cx="8229600" cy="3611563"/>
-          </a:xfrm>
-        </p:spPr>
-        <p:txBody>
-          <a:bodyPr>
-            <a:noAutofit/>
-          </a:bodyPr>
-          <a:lstStyle/>
-          <a:p>
-            <a:r>
-              <a:rPr lang="en-US" sz="2000" dirty="0" smtClean="0"/>
-              <a:t>If </a:t>
-            </a:r>
-            <a:r>
-              <a:rPr lang="en-US" sz="2000" dirty="0"/>
-              <a:t>the </a:t>
-            </a:r>
-            <a:r>
-              <a:rPr lang="en-US" sz="2000" dirty="0" smtClean="0"/>
-              <a:t>book is </a:t>
-            </a:r>
-            <a:r>
-              <a:rPr lang="en-US" sz="2000" dirty="0"/>
-              <a:t>in Discovery, its first ISBN is used to search classic Prospector.</a:t>
-            </a:r>
-          </a:p>
-          <a:p>
-            <a:r>
-              <a:rPr lang="en-US" sz="2000" dirty="0" smtClean="0"/>
-              <a:t>If </a:t>
-            </a:r>
-            <a:r>
-              <a:rPr lang="en-US" sz="2000" dirty="0"/>
-              <a:t>the </a:t>
-            </a:r>
-            <a:r>
-              <a:rPr lang="en-US" sz="2000" dirty="0"/>
-              <a:t>book is </a:t>
-            </a:r>
-            <a:r>
-              <a:rPr lang="en-US" sz="2000" dirty="0"/>
-              <a:t>in Prospector, </a:t>
-            </a:r>
-            <a:r>
-              <a:rPr lang="en-US" sz="2000" dirty="0"/>
-              <a:t>book details</a:t>
-            </a:r>
-            <a:r>
-              <a:rPr lang="en-US" sz="2000" dirty="0"/>
-              <a:t>, non-CSU </a:t>
-            </a:r>
-            <a:r>
-              <a:rPr lang="en-US" sz="2000" dirty="0" smtClean="0"/>
-              <a:t>copies, and </a:t>
-            </a:r>
-            <a:r>
-              <a:rPr lang="en-US" sz="2000" dirty="0"/>
-              <a:t>available copies are counted by screen-scraping the holdings </a:t>
-            </a:r>
-            <a:r>
-              <a:rPr lang="en-US" sz="2000" dirty="0" smtClean="0"/>
-              <a:t>rows </a:t>
-            </a:r>
-            <a:r>
-              <a:rPr lang="en-US" sz="2000" dirty="0"/>
-              <a:t>from the classic Prospector availability page.</a:t>
-            </a:r>
-          </a:p>
-          <a:p>
-            <a:r>
-              <a:rPr lang="en-US" sz="2000" dirty="0" smtClean="0"/>
-              <a:t>If </a:t>
-            </a:r>
-            <a:r>
-              <a:rPr lang="en-US" sz="2000" dirty="0"/>
-              <a:t>copies are available, the user can select from links to request from Prospector, view availability in Prospector, or request order for CSU.</a:t>
-            </a:r>
+            <a:r>
+              <a:rPr lang="en-US" dirty="0" smtClean="0"/>
+              <a:t>Library Catalog (Sage) item with request link</a:t>
+            </a:r>
+            <a:endParaRPr lang="en-US" dirty="0"/>
           </a:p>
         </p:txBody>
       </p:sp>
     </p:spTree>
     <p:extLst>
       <p:ext uri="{BB962C8B-B14F-4D97-AF65-F5344CB8AC3E}">
-        <p14:creationId xmlns:p14="http://schemas.microsoft.com/office/powerpoint/2010/main" val="1847727345"/>
+        <p14:creationId xmlns:p14="http://schemas.microsoft.com/office/powerpoint/2010/main" val="541821296"/>
       </p:ext>
     </p:extLst>
   </p:cSld>
   <p:clrMapOvr>
     <a:masterClrMapping/>
   </p:clrMapOvr>
+  <p:timing>
+    <p:tnLst>
+      <p:par>
+        <p:cTn id="1" dur="indefinite" restart="never" nodeType="tmRoot"/>
+      </p:par>
+    </p:tnLst>
+  </p:timing>
 </p:sld>
 </file>
 
@@ -4092,6 +4251,715 @@
         </p:blipFill>
         <p:spPr>
           <a:xfrm>
+            <a:off x="223837" y="1562100"/>
+            <a:ext cx="8696325" cy="3733800"/>
+          </a:xfrm>
+          <a:prstGeom prst="rect">
+            <a:avLst/>
+          </a:prstGeom>
+        </p:spPr>
+      </p:pic>
+      <p:sp>
+        <p:nvSpPr>
+          <p:cNvPr id="3" name="TextBox 2"/>
+          <p:cNvSpPr txBox="1"/>
+          <p:nvPr/>
+        </p:nvSpPr>
+        <p:spPr>
+          <a:xfrm>
+            <a:off x="940237" y="6096000"/>
+            <a:ext cx="7263527" cy="369332"/>
+          </a:xfrm>
+          <a:prstGeom prst="rect">
+            <a:avLst/>
+          </a:prstGeom>
+          <a:solidFill>
+            <a:srgbClr val="FFFFFF"/>
+          </a:solidFill>
+        </p:spPr>
+        <p:txBody>
+          <a:bodyPr wrap="none" rtlCol="0">
+            <a:spAutoFit/>
+          </a:bodyPr>
+          <a:lstStyle/>
+          <a:p>
+            <a:r>
+              <a:rPr lang="en-US" dirty="0" smtClean="0"/>
+              <a:t>sagerequest.js – jQuery script to add bib number to DDA request links</a:t>
+            </a:r>
+            <a:endParaRPr lang="en-US" dirty="0"/>
+          </a:p>
+        </p:txBody>
+      </p:sp>
+    </p:spTree>
+    <p:extLst>
+      <p:ext uri="{BB962C8B-B14F-4D97-AF65-F5344CB8AC3E}">
+        <p14:creationId xmlns:p14="http://schemas.microsoft.com/office/powerpoint/2010/main" val="2538061363"/>
+      </p:ext>
+    </p:extLst>
+  </p:cSld>
+  <p:clrMapOvr>
+    <a:masterClrMapping/>
+  </p:clrMapOvr>
+</p:sld>
+</file>
+
+<file path=ppt/slides/slide19.xml><?xml version="1.0" encoding="utf-8"?>
+<p:sld xmlns:a="http://schemas.openxmlformats.org/drawingml/2006/main" xmlns:r="http://schemas.openxmlformats.org/officeDocument/2006/relationships" xmlns:p="http://schemas.openxmlformats.org/presentationml/2006/main">
+  <p:cSld>
+    <p:spTree>
+      <p:nvGrpSpPr>
+        <p:cNvPr id="1" name=""/>
+        <p:cNvGrpSpPr/>
+        <p:nvPr/>
+      </p:nvGrpSpPr>
+      <p:grpSpPr>
+        <a:xfrm>
+          <a:off x="0" y="0"/>
+          <a:ext cx="0" cy="0"/>
+          <a:chOff x="0" y="0"/>
+          <a:chExt cx="0" cy="0"/>
+        </a:xfrm>
+      </p:grpSpPr>
+      <p:sp>
+        <p:nvSpPr>
+          <p:cNvPr id="2" name="Title 1"/>
+          <p:cNvSpPr>
+            <a:spLocks noGrp="1"/>
+          </p:cNvSpPr>
+          <p:nvPr>
+            <p:ph type="title"/>
+          </p:nvPr>
+        </p:nvSpPr>
+        <p:spPr>
+          <a:xfrm>
+            <a:off x="457200" y="1524000"/>
+            <a:ext cx="8229600" cy="914400"/>
+          </a:xfrm>
+        </p:spPr>
+        <p:txBody>
+          <a:bodyPr>
+            <a:normAutofit/>
+          </a:bodyPr>
+          <a:lstStyle/>
+          <a:p>
+            <a:pPr algn="l"/>
+            <a:r>
+              <a:rPr lang="en-US" sz="3600" dirty="0" smtClean="0"/>
+              <a:t>Application Workflow: Catalog Record</a:t>
+            </a:r>
+            <a:endParaRPr lang="en-US" sz="3600" b="1" dirty="0">
+              <a:latin typeface="Arial Black" pitchFamily="34" charset="0"/>
+            </a:endParaRPr>
+          </a:p>
+        </p:txBody>
+      </p:sp>
+      <p:sp>
+        <p:nvSpPr>
+          <p:cNvPr id="3" name="Content Placeholder 2"/>
+          <p:cNvSpPr>
+            <a:spLocks noGrp="1"/>
+          </p:cNvSpPr>
+          <p:nvPr>
+            <p:ph idx="1"/>
+          </p:nvPr>
+        </p:nvSpPr>
+        <p:spPr>
+          <a:xfrm>
+            <a:off x="457200" y="2514600"/>
+            <a:ext cx="8229600" cy="3611563"/>
+          </a:xfrm>
+        </p:spPr>
+        <p:txBody>
+          <a:bodyPr>
+            <a:noAutofit/>
+          </a:bodyPr>
+          <a:lstStyle/>
+          <a:p>
+            <a:r>
+              <a:rPr lang="en-US" sz="2000" dirty="0" smtClean="0"/>
+              <a:t>The </a:t>
+            </a:r>
+            <a:r>
+              <a:rPr lang="en-US" sz="2000" dirty="0"/>
+              <a:t>referring URL of the record is passed to the form upon login.</a:t>
+            </a:r>
+          </a:p>
+          <a:p>
+            <a:r>
+              <a:rPr lang="en-US" sz="2000" dirty="0" smtClean="0"/>
+              <a:t>The </a:t>
+            </a:r>
+            <a:r>
+              <a:rPr lang="en-US" sz="2000" dirty="0"/>
+              <a:t>bib number is extracted from the referring URL using a regular expression. Sage: record=b1234567 Discovery: Record/.b1234567X</a:t>
+            </a:r>
+          </a:p>
+          <a:p>
+            <a:r>
+              <a:rPr lang="en-US" sz="2000" dirty="0" smtClean="0"/>
+              <a:t>The </a:t>
+            </a:r>
+            <a:r>
+              <a:rPr lang="en-US" sz="2000" dirty="0"/>
+              <a:t>bib number is looked up in Discovery's </a:t>
+            </a:r>
+            <a:r>
+              <a:rPr lang="en-US" sz="2000" dirty="0" err="1"/>
+              <a:t>Solr</a:t>
+            </a:r>
+            <a:r>
+              <a:rPr lang="en-US" sz="2000" dirty="0"/>
+              <a:t> database for details, including title, author, publisher and ISBNs. </a:t>
+            </a:r>
+          </a:p>
+        </p:txBody>
+      </p:sp>
+    </p:spTree>
+    <p:extLst>
+      <p:ext uri="{BB962C8B-B14F-4D97-AF65-F5344CB8AC3E}">
+        <p14:creationId xmlns:p14="http://schemas.microsoft.com/office/powerpoint/2010/main" val="2503768695"/>
+      </p:ext>
+    </p:extLst>
+  </p:cSld>
+  <p:clrMapOvr>
+    <a:masterClrMapping/>
+  </p:clrMapOvr>
+</p:sld>
+</file>
+
+<file path=ppt/slides/slide2.xml><?xml version="1.0" encoding="utf-8"?>
+<p:sld xmlns:a="http://schemas.openxmlformats.org/drawingml/2006/main" xmlns:r="http://schemas.openxmlformats.org/officeDocument/2006/relationships" xmlns:p="http://schemas.openxmlformats.org/presentationml/2006/main">
+  <p:cSld>
+    <p:spTree>
+      <p:nvGrpSpPr>
+        <p:cNvPr id="1" name=""/>
+        <p:cNvGrpSpPr/>
+        <p:nvPr/>
+      </p:nvGrpSpPr>
+      <p:grpSpPr>
+        <a:xfrm>
+          <a:off x="0" y="0"/>
+          <a:ext cx="0" cy="0"/>
+          <a:chOff x="0" y="0"/>
+          <a:chExt cx="0" cy="0"/>
+        </a:xfrm>
+      </p:grpSpPr>
+      <p:sp>
+        <p:nvSpPr>
+          <p:cNvPr id="2" name="Title 1"/>
+          <p:cNvSpPr>
+            <a:spLocks noGrp="1"/>
+          </p:cNvSpPr>
+          <p:nvPr>
+            <p:ph type="title"/>
+          </p:nvPr>
+        </p:nvSpPr>
+        <p:spPr>
+          <a:xfrm>
+            <a:off x="457200" y="1524000"/>
+            <a:ext cx="8229600" cy="914400"/>
+          </a:xfrm>
+        </p:spPr>
+        <p:txBody>
+          <a:bodyPr>
+            <a:normAutofit fontScale="90000"/>
+          </a:bodyPr>
+          <a:lstStyle/>
+          <a:p>
+            <a:pPr algn="l"/>
+            <a:r>
+              <a:rPr lang="en-US" sz="3600" dirty="0"/>
+              <a:t>Demand-Driven Acquisition (DDA) materials</a:t>
+            </a:r>
+            <a:endParaRPr lang="en-US" sz="3600" b="1" dirty="0">
+              <a:latin typeface="Arial Black" pitchFamily="34" charset="0"/>
+            </a:endParaRPr>
+          </a:p>
+        </p:txBody>
+      </p:sp>
+      <p:sp>
+        <p:nvSpPr>
+          <p:cNvPr id="3" name="Content Placeholder 2"/>
+          <p:cNvSpPr>
+            <a:spLocks noGrp="1"/>
+          </p:cNvSpPr>
+          <p:nvPr>
+            <p:ph idx="1"/>
+          </p:nvPr>
+        </p:nvSpPr>
+        <p:spPr>
+          <a:xfrm>
+            <a:off x="457200" y="2514600"/>
+            <a:ext cx="8229600" cy="3611563"/>
+          </a:xfrm>
+        </p:spPr>
+        <p:txBody>
+          <a:bodyPr>
+            <a:normAutofit/>
+          </a:bodyPr>
+          <a:lstStyle/>
+          <a:p>
+            <a:r>
+              <a:rPr lang="en-US" sz="2200" dirty="0" smtClean="0"/>
+              <a:t>Print books</a:t>
+            </a:r>
+            <a:endParaRPr lang="en-US" sz="2200" dirty="0"/>
+          </a:p>
+          <a:p>
+            <a:r>
+              <a:rPr lang="en-US" sz="2200" dirty="0" smtClean="0"/>
+              <a:t>Requested by CSU </a:t>
+            </a:r>
+            <a:r>
+              <a:rPr lang="en-US" sz="2200" dirty="0"/>
+              <a:t>patrons (current students, </a:t>
+            </a:r>
+            <a:r>
+              <a:rPr lang="en-US" sz="2200" dirty="0" smtClean="0"/>
+              <a:t>faculty, staff)</a:t>
+            </a:r>
+            <a:endParaRPr lang="en-US" sz="2200" dirty="0"/>
+          </a:p>
+          <a:p>
+            <a:r>
+              <a:rPr lang="en-US" sz="2200" dirty="0" smtClean="0"/>
+              <a:t>Purchased by CSU library staff</a:t>
+            </a:r>
+            <a:endParaRPr lang="en-US" sz="2200" dirty="0"/>
+          </a:p>
+        </p:txBody>
+      </p:sp>
+    </p:spTree>
+  </p:cSld>
+  <p:clrMapOvr>
+    <a:masterClrMapping/>
+  </p:clrMapOvr>
+  <p:timing>
+    <p:tnLst>
+      <p:par>
+        <p:cTn id="1" dur="indefinite" restart="never" nodeType="tmRoot"/>
+      </p:par>
+    </p:tnLst>
+  </p:timing>
+</p:sld>
+</file>
+
+<file path=ppt/slides/slide20.xml><?xml version="1.0" encoding="utf-8"?>
+<p:sld xmlns:a="http://schemas.openxmlformats.org/drawingml/2006/main" xmlns:r="http://schemas.openxmlformats.org/officeDocument/2006/relationships" xmlns:p="http://schemas.openxmlformats.org/presentationml/2006/main">
+  <p:cSld>
+    <p:bg>
+      <p:bgPr>
+        <a:solidFill>
+          <a:schemeClr val="accent1"/>
+        </a:solidFill>
+        <a:effectLst/>
+      </p:bgPr>
+    </p:bg>
+    <p:spTree>
+      <p:nvGrpSpPr>
+        <p:cNvPr id="1" name=""/>
+        <p:cNvGrpSpPr/>
+        <p:nvPr/>
+      </p:nvGrpSpPr>
+      <p:grpSpPr>
+        <a:xfrm>
+          <a:off x="0" y="0"/>
+          <a:ext cx="0" cy="0"/>
+          <a:chOff x="0" y="0"/>
+          <a:chExt cx="0" cy="0"/>
+        </a:xfrm>
+      </p:grpSpPr>
+      <p:pic>
+        <p:nvPicPr>
+          <p:cNvPr id="4" name="Picture 3"/>
+          <p:cNvPicPr>
+            <a:picLocks noChangeAspect="1"/>
+          </p:cNvPicPr>
+          <p:nvPr/>
+        </p:nvPicPr>
+        <p:blipFill>
+          <a:blip r:embed="rId2">
+            <a:extLst>
+              <a:ext uri="{28A0092B-C50C-407E-A947-70E740481C1C}">
+                <a14:useLocalDpi xmlns:a14="http://schemas.microsoft.com/office/drawing/2010/main" val="0"/>
+              </a:ext>
+            </a:extLst>
+          </a:blip>
+          <a:stretch>
+            <a:fillRect/>
+          </a:stretch>
+        </p:blipFill>
+        <p:spPr>
+          <a:xfrm>
+            <a:off x="862012" y="76200"/>
+            <a:ext cx="7419975" cy="5962650"/>
+          </a:xfrm>
+          <a:prstGeom prst="rect">
+            <a:avLst/>
+          </a:prstGeom>
+        </p:spPr>
+      </p:pic>
+      <p:sp>
+        <p:nvSpPr>
+          <p:cNvPr id="5" name="Rectangle 4"/>
+          <p:cNvSpPr/>
+          <p:nvPr/>
+        </p:nvSpPr>
+        <p:spPr>
+          <a:xfrm>
+            <a:off x="68171" y="6260068"/>
+            <a:ext cx="9007659" cy="369332"/>
+          </a:xfrm>
+          <a:prstGeom prst="rect">
+            <a:avLst/>
+          </a:prstGeom>
+          <a:solidFill>
+            <a:srgbClr val="FFFFFF"/>
+          </a:solidFill>
+        </p:spPr>
+        <p:txBody>
+          <a:bodyPr wrap="none">
+            <a:spAutoFit/>
+          </a:bodyPr>
+          <a:lstStyle/>
+          <a:p>
+            <a:r>
+              <a:rPr lang="en-US" dirty="0" smtClean="0"/>
+              <a:t>Material Request – </a:t>
+            </a:r>
+            <a:r>
+              <a:rPr lang="en-US" dirty="0" err="1" smtClean="0"/>
+              <a:t>AuthProcess.aspx.cs</a:t>
+            </a:r>
+            <a:r>
+              <a:rPr lang="en-US" dirty="0" smtClean="0"/>
+              <a:t> – get bib number from referrer or query string</a:t>
+            </a:r>
+            <a:endParaRPr lang="en-US" dirty="0"/>
+          </a:p>
+        </p:txBody>
+      </p:sp>
+    </p:spTree>
+    <p:extLst>
+      <p:ext uri="{BB962C8B-B14F-4D97-AF65-F5344CB8AC3E}">
+        <p14:creationId xmlns:p14="http://schemas.microsoft.com/office/powerpoint/2010/main" val="4144979315"/>
+      </p:ext>
+    </p:extLst>
+  </p:cSld>
+  <p:clrMapOvr>
+    <a:masterClrMapping/>
+  </p:clrMapOvr>
+</p:sld>
+</file>
+
+<file path=ppt/slides/slide21.xml><?xml version="1.0" encoding="utf-8"?>
+<p:sld xmlns:a="http://schemas.openxmlformats.org/drawingml/2006/main" xmlns:r="http://schemas.openxmlformats.org/officeDocument/2006/relationships" xmlns:p="http://schemas.openxmlformats.org/presentationml/2006/main">
+  <p:cSld>
+    <p:bg>
+      <p:bgPr>
+        <a:solidFill>
+          <a:schemeClr val="accent1"/>
+        </a:solidFill>
+        <a:effectLst/>
+      </p:bgPr>
+    </p:bg>
+    <p:spTree>
+      <p:nvGrpSpPr>
+        <p:cNvPr id="1" name=""/>
+        <p:cNvGrpSpPr/>
+        <p:nvPr/>
+      </p:nvGrpSpPr>
+      <p:grpSpPr>
+        <a:xfrm>
+          <a:off x="0" y="0"/>
+          <a:ext cx="0" cy="0"/>
+          <a:chOff x="0" y="0"/>
+          <a:chExt cx="0" cy="0"/>
+        </a:xfrm>
+      </p:grpSpPr>
+      <p:pic>
+        <p:nvPicPr>
+          <p:cNvPr id="2" name="Picture 1"/>
+          <p:cNvPicPr>
+            <a:picLocks noChangeAspect="1"/>
+          </p:cNvPicPr>
+          <p:nvPr/>
+        </p:nvPicPr>
+        <p:blipFill>
+          <a:blip r:embed="rId2">
+            <a:extLst>
+              <a:ext uri="{28A0092B-C50C-407E-A947-70E740481C1C}">
+                <a14:useLocalDpi xmlns:a14="http://schemas.microsoft.com/office/drawing/2010/main" val="0"/>
+              </a:ext>
+            </a:extLst>
+          </a:blip>
+          <a:stretch>
+            <a:fillRect/>
+          </a:stretch>
+        </p:blipFill>
+        <p:spPr>
+          <a:xfrm>
+            <a:off x="76200" y="1295400"/>
+            <a:ext cx="8975034" cy="4267200"/>
+          </a:xfrm>
+          <a:prstGeom prst="rect">
+            <a:avLst/>
+          </a:prstGeom>
+        </p:spPr>
+      </p:pic>
+      <p:sp>
+        <p:nvSpPr>
+          <p:cNvPr id="3" name="TextBox 2"/>
+          <p:cNvSpPr txBox="1"/>
+          <p:nvPr/>
+        </p:nvSpPr>
+        <p:spPr>
+          <a:xfrm>
+            <a:off x="375980" y="6172200"/>
+            <a:ext cx="8392041" cy="369332"/>
+          </a:xfrm>
+          <a:prstGeom prst="rect">
+            <a:avLst/>
+          </a:prstGeom>
+          <a:solidFill>
+            <a:srgbClr val="FFFFFF"/>
+          </a:solidFill>
+        </p:spPr>
+        <p:txBody>
+          <a:bodyPr wrap="none" rtlCol="0">
+            <a:spAutoFit/>
+          </a:bodyPr>
+          <a:lstStyle/>
+          <a:p>
+            <a:r>
+              <a:rPr lang="en-US" dirty="0" err="1" smtClean="0"/>
+              <a:t>MaterialRequest</a:t>
+            </a:r>
+            <a:r>
+              <a:rPr lang="en-US" dirty="0" smtClean="0"/>
+              <a:t> - </a:t>
+            </a:r>
+            <a:r>
+              <a:rPr lang="en-US" dirty="0" err="1" smtClean="0"/>
+              <a:t>Authprocess.aspx.cs</a:t>
+            </a:r>
+            <a:r>
+              <a:rPr lang="en-US" dirty="0" smtClean="0"/>
+              <a:t> – get item details from </a:t>
+            </a:r>
+            <a:r>
+              <a:rPr lang="en-US" dirty="0" err="1" smtClean="0"/>
+              <a:t>Solr</a:t>
+            </a:r>
+            <a:r>
+              <a:rPr lang="en-US" dirty="0" smtClean="0"/>
+              <a:t> query results</a:t>
+            </a:r>
+            <a:endParaRPr lang="en-US" dirty="0"/>
+          </a:p>
+        </p:txBody>
+      </p:sp>
+    </p:spTree>
+    <p:extLst>
+      <p:ext uri="{BB962C8B-B14F-4D97-AF65-F5344CB8AC3E}">
+        <p14:creationId xmlns:p14="http://schemas.microsoft.com/office/powerpoint/2010/main" val="2598975527"/>
+      </p:ext>
+    </p:extLst>
+  </p:cSld>
+  <p:clrMapOvr>
+    <a:masterClrMapping/>
+  </p:clrMapOvr>
+</p:sld>
+</file>
+
+<file path=ppt/slides/slide22.xml><?xml version="1.0" encoding="utf-8"?>
+<p:sld xmlns:a="http://schemas.openxmlformats.org/drawingml/2006/main" xmlns:r="http://schemas.openxmlformats.org/officeDocument/2006/relationships" xmlns:p="http://schemas.openxmlformats.org/presentationml/2006/main">
+  <p:cSld>
+    <p:spTree>
+      <p:nvGrpSpPr>
+        <p:cNvPr id="1" name=""/>
+        <p:cNvGrpSpPr/>
+        <p:nvPr/>
+      </p:nvGrpSpPr>
+      <p:grpSpPr>
+        <a:xfrm>
+          <a:off x="0" y="0"/>
+          <a:ext cx="0" cy="0"/>
+          <a:chOff x="0" y="0"/>
+          <a:chExt cx="0" cy="0"/>
+        </a:xfrm>
+      </p:grpSpPr>
+      <p:sp>
+        <p:nvSpPr>
+          <p:cNvPr id="2" name="Title 1"/>
+          <p:cNvSpPr>
+            <a:spLocks noGrp="1"/>
+          </p:cNvSpPr>
+          <p:nvPr>
+            <p:ph type="title"/>
+          </p:nvPr>
+        </p:nvSpPr>
+        <p:spPr>
+          <a:xfrm>
+            <a:off x="457200" y="1524000"/>
+            <a:ext cx="8229600" cy="914400"/>
+          </a:xfrm>
+        </p:spPr>
+        <p:txBody>
+          <a:bodyPr>
+            <a:normAutofit fontScale="90000"/>
+          </a:bodyPr>
+          <a:lstStyle/>
+          <a:p>
+            <a:pPr algn="l"/>
+            <a:r>
+              <a:rPr lang="en-US" sz="3600" dirty="0" smtClean="0"/>
+              <a:t>Application Workflow: Prospector Record</a:t>
+            </a:r>
+            <a:endParaRPr lang="en-US" sz="3600" b="1" dirty="0">
+              <a:latin typeface="Arial Black" pitchFamily="34" charset="0"/>
+            </a:endParaRPr>
+          </a:p>
+        </p:txBody>
+      </p:sp>
+      <p:sp>
+        <p:nvSpPr>
+          <p:cNvPr id="3" name="Content Placeholder 2"/>
+          <p:cNvSpPr>
+            <a:spLocks noGrp="1"/>
+          </p:cNvSpPr>
+          <p:nvPr>
+            <p:ph idx="1"/>
+          </p:nvPr>
+        </p:nvSpPr>
+        <p:spPr>
+          <a:xfrm>
+            <a:off x="457200" y="2514600"/>
+            <a:ext cx="8229600" cy="3611563"/>
+          </a:xfrm>
+        </p:spPr>
+        <p:txBody>
+          <a:bodyPr>
+            <a:noAutofit/>
+          </a:bodyPr>
+          <a:lstStyle/>
+          <a:p>
+            <a:r>
+              <a:rPr lang="en-US" sz="2000" dirty="0" smtClean="0"/>
+              <a:t>If </a:t>
+            </a:r>
+            <a:r>
+              <a:rPr lang="en-US" sz="2000" dirty="0"/>
+              <a:t>the </a:t>
+            </a:r>
+            <a:r>
+              <a:rPr lang="en-US" sz="2000" dirty="0" smtClean="0"/>
+              <a:t>book is </a:t>
+            </a:r>
+            <a:r>
+              <a:rPr lang="en-US" sz="2000" dirty="0"/>
+              <a:t>in Discovery, its first ISBN is used to search classic Prospector.</a:t>
+            </a:r>
+          </a:p>
+          <a:p>
+            <a:r>
+              <a:rPr lang="en-US" sz="2000" dirty="0" smtClean="0"/>
+              <a:t>If </a:t>
+            </a:r>
+            <a:r>
+              <a:rPr lang="en-US" sz="2000" dirty="0"/>
+              <a:t>the book is in Prospector, book details, non-CSU </a:t>
+            </a:r>
+            <a:r>
+              <a:rPr lang="en-US" sz="2000" dirty="0" smtClean="0"/>
+              <a:t>copies, and </a:t>
+            </a:r>
+            <a:r>
+              <a:rPr lang="en-US" sz="2000" dirty="0"/>
+              <a:t>available copies are counted by screen-scraping the holdings </a:t>
+            </a:r>
+            <a:r>
+              <a:rPr lang="en-US" sz="2000" dirty="0" smtClean="0"/>
+              <a:t>rows </a:t>
+            </a:r>
+            <a:r>
+              <a:rPr lang="en-US" sz="2000" dirty="0"/>
+              <a:t>from the classic Prospector availability page.</a:t>
+            </a:r>
+          </a:p>
+          <a:p>
+            <a:r>
+              <a:rPr lang="en-US" sz="2000" dirty="0" smtClean="0"/>
+              <a:t>If </a:t>
+            </a:r>
+            <a:r>
+              <a:rPr lang="en-US" sz="2000" dirty="0"/>
+              <a:t>copies are available, the user can select from links to request from Prospector, view availability in Prospector, or request order for CSU.</a:t>
+            </a:r>
+          </a:p>
+        </p:txBody>
+      </p:sp>
+    </p:spTree>
+    <p:extLst>
+      <p:ext uri="{BB962C8B-B14F-4D97-AF65-F5344CB8AC3E}">
+        <p14:creationId xmlns:p14="http://schemas.microsoft.com/office/powerpoint/2010/main" val="1847727345"/>
+      </p:ext>
+    </p:extLst>
+  </p:cSld>
+  <p:clrMapOvr>
+    <a:masterClrMapping/>
+  </p:clrMapOvr>
+</p:sld>
+</file>
+
+<file path=ppt/slides/slide23.xml><?xml version="1.0" encoding="utf-8"?>
+<p:sld xmlns:a="http://schemas.openxmlformats.org/drawingml/2006/main" xmlns:r="http://schemas.openxmlformats.org/officeDocument/2006/relationships" xmlns:p="http://schemas.openxmlformats.org/presentationml/2006/main">
+  <p:cSld>
+    <p:bg>
+      <p:bgPr>
+        <a:solidFill>
+          <a:schemeClr val="accent1"/>
+        </a:solidFill>
+        <a:effectLst/>
+      </p:bgPr>
+    </p:bg>
+    <p:spTree>
+      <p:nvGrpSpPr>
+        <p:cNvPr id="1" name=""/>
+        <p:cNvGrpSpPr/>
+        <p:nvPr/>
+      </p:nvGrpSpPr>
+      <p:grpSpPr>
+        <a:xfrm>
+          <a:off x="0" y="0"/>
+          <a:ext cx="0" cy="0"/>
+          <a:chOff x="0" y="0"/>
+          <a:chExt cx="0" cy="0"/>
+        </a:xfrm>
+      </p:grpSpPr>
+      <p:pic>
+        <p:nvPicPr>
+          <p:cNvPr id="2" name="Picture 1"/>
+          <p:cNvPicPr>
+            <a:picLocks noChangeAspect="1"/>
+          </p:cNvPicPr>
+          <p:nvPr/>
+        </p:nvPicPr>
+        <p:blipFill>
+          <a:blip r:embed="rId2">
+            <a:extLst>
+              <a:ext uri="{28A0092B-C50C-407E-A947-70E740481C1C}">
+                <a14:useLocalDpi xmlns:a14="http://schemas.microsoft.com/office/drawing/2010/main" val="0"/>
+              </a:ext>
+            </a:extLst>
+          </a:blip>
+          <a:stretch>
+            <a:fillRect/>
+          </a:stretch>
+        </p:blipFill>
+        <p:spPr>
+          <a:xfrm>
             <a:off x="816722" y="0"/>
             <a:ext cx="7510556" cy="6858000"/>
           </a:xfrm>
@@ -4113,7 +4981,7 @@
 </p:sld>
 </file>
 
-<file path=ppt/slides/slide19.xml><?xml version="1.0" encoding="utf-8"?>
+<file path=ppt/slides/slide24.xml><?xml version="1.0" encoding="utf-8"?>
 <p:sld xmlns:a="http://schemas.openxmlformats.org/drawingml/2006/main" xmlns:r="http://schemas.openxmlformats.org/officeDocument/2006/relationships" xmlns:p="http://schemas.openxmlformats.org/presentationml/2006/main">
   <p:cSld>
     <p:bg>
@@ -4168,6 +5036,38 @@
           </a:prstGeom>
         </p:spPr>
       </p:pic>
+      <p:sp>
+        <p:nvSpPr>
+          <p:cNvPr id="2" name="Rectangle 1"/>
+          <p:cNvSpPr/>
+          <p:nvPr/>
+        </p:nvSpPr>
+        <p:spPr>
+          <a:xfrm>
+            <a:off x="3357565" y="6468790"/>
+            <a:ext cx="2428870" cy="369332"/>
+          </a:xfrm>
+          <a:prstGeom prst="rect">
+            <a:avLst/>
+          </a:prstGeom>
+          <a:solidFill>
+            <a:srgbClr val="FFFFFF"/>
+          </a:solidFill>
+        </p:spPr>
+        <p:txBody>
+          <a:bodyPr wrap="none">
+            <a:spAutoFit/>
+          </a:bodyPr>
+          <a:lstStyle/>
+          <a:p>
+            <a:r>
+              <a:rPr lang="en-US" dirty="0" smtClean="0"/>
+              <a:t>Prospector availability</a:t>
+            </a:r>
+            <a:endParaRPr lang="en-US" dirty="0"/>
+          </a:p>
+        </p:txBody>
+      </p:sp>
     </p:spTree>
     <p:extLst>
       <p:ext uri="{BB962C8B-B14F-4D97-AF65-F5344CB8AC3E}">
@@ -4181,107 +5081,7 @@
 </p:sld>
 </file>
 
-<file path=ppt/slides/slide2.xml><?xml version="1.0" encoding="utf-8"?>
-<p:sld xmlns:a="http://schemas.openxmlformats.org/drawingml/2006/main" xmlns:r="http://schemas.openxmlformats.org/officeDocument/2006/relationships" xmlns:p="http://schemas.openxmlformats.org/presentationml/2006/main">
-  <p:cSld>
-    <p:spTree>
-      <p:nvGrpSpPr>
-        <p:cNvPr id="1" name=""/>
-        <p:cNvGrpSpPr/>
-        <p:nvPr/>
-      </p:nvGrpSpPr>
-      <p:grpSpPr>
-        <a:xfrm>
-          <a:off x="0" y="0"/>
-          <a:ext cx="0" cy="0"/>
-          <a:chOff x="0" y="0"/>
-          <a:chExt cx="0" cy="0"/>
-        </a:xfrm>
-      </p:grpSpPr>
-      <p:sp>
-        <p:nvSpPr>
-          <p:cNvPr id="2" name="Title 1"/>
-          <p:cNvSpPr>
-            <a:spLocks noGrp="1"/>
-          </p:cNvSpPr>
-          <p:nvPr>
-            <p:ph type="title"/>
-          </p:nvPr>
-        </p:nvSpPr>
-        <p:spPr>
-          <a:xfrm>
-            <a:off x="457200" y="1524000"/>
-            <a:ext cx="8229600" cy="914400"/>
-          </a:xfrm>
-        </p:spPr>
-        <p:txBody>
-          <a:bodyPr>
-            <a:normAutofit fontScale="90000"/>
-          </a:bodyPr>
-          <a:lstStyle/>
-          <a:p>
-            <a:pPr algn="l"/>
-            <a:r>
-              <a:rPr lang="en-US" sz="3600" dirty="0"/>
-              <a:t>Demand-Driven Acquisition (DDA) materials</a:t>
-            </a:r>
-            <a:endParaRPr lang="en-US" sz="3600" b="1" dirty="0">
-              <a:latin typeface="Arial Black" pitchFamily="34" charset="0"/>
-            </a:endParaRPr>
-          </a:p>
-        </p:txBody>
-      </p:sp>
-      <p:sp>
-        <p:nvSpPr>
-          <p:cNvPr id="3" name="Content Placeholder 2"/>
-          <p:cNvSpPr>
-            <a:spLocks noGrp="1"/>
-          </p:cNvSpPr>
-          <p:nvPr>
-            <p:ph idx="1"/>
-          </p:nvPr>
-        </p:nvSpPr>
-        <p:spPr>
-          <a:xfrm>
-            <a:off x="457200" y="2514600"/>
-            <a:ext cx="8229600" cy="3611563"/>
-          </a:xfrm>
-        </p:spPr>
-        <p:txBody>
-          <a:bodyPr>
-            <a:normAutofit/>
-          </a:bodyPr>
-          <a:lstStyle/>
-          <a:p>
-            <a:r>
-              <a:rPr lang="en-US" sz="2200" dirty="0" smtClean="0"/>
-              <a:t>Print books</a:t>
-            </a:r>
-            <a:endParaRPr lang="en-US" sz="2200" dirty="0"/>
-          </a:p>
-          <a:p>
-            <a:r>
-              <a:rPr lang="en-US" sz="2200" dirty="0"/>
-              <a:t>CSU patrons (current students, faculty and staff) request</a:t>
-            </a:r>
-          </a:p>
-          <a:p>
-            <a:r>
-              <a:rPr lang="en-US" sz="2200" dirty="0"/>
-              <a:t>CSU library purchases </a:t>
-            </a:r>
-          </a:p>
-        </p:txBody>
-      </p:sp>
-    </p:spTree>
-  </p:cSld>
-  <p:clrMapOvr>
-    <a:masterClrMapping/>
-  </p:clrMapOvr>
-</p:sld>
-</file>
-
-<file path=ppt/slides/slide20.xml><?xml version="1.0" encoding="utf-8"?>
+<file path=ppt/slides/slide25.xml><?xml version="1.0" encoding="utf-8"?>
 <p:sld xmlns:a="http://schemas.openxmlformats.org/drawingml/2006/main" xmlns:r="http://schemas.openxmlformats.org/officeDocument/2006/relationships" xmlns:p="http://schemas.openxmlformats.org/presentationml/2006/main">
   <p:cSld>
     <p:bg>
@@ -4328,7 +5128,7 @@
         </p:blipFill>
         <p:spPr>
           <a:xfrm>
-            <a:off x="0" y="377031"/>
+            <a:off x="0" y="76200"/>
             <a:ext cx="9144000" cy="6103938"/>
           </a:xfrm>
           <a:prstGeom prst="rect">
@@ -4336,6 +5136,38 @@
           </a:prstGeom>
         </p:spPr>
       </p:pic>
+      <p:sp>
+        <p:nvSpPr>
+          <p:cNvPr id="3" name="Rectangle 2"/>
+          <p:cNvSpPr/>
+          <p:nvPr/>
+        </p:nvSpPr>
+        <p:spPr>
+          <a:xfrm>
+            <a:off x="3505041" y="6400800"/>
+            <a:ext cx="2133918" cy="369332"/>
+          </a:xfrm>
+          <a:prstGeom prst="rect">
+            <a:avLst/>
+          </a:prstGeom>
+          <a:solidFill>
+            <a:srgbClr val="FFFFFF"/>
+          </a:solidFill>
+        </p:spPr>
+        <p:txBody>
+          <a:bodyPr wrap="none">
+            <a:spAutoFit/>
+          </a:bodyPr>
+          <a:lstStyle/>
+          <a:p>
+            <a:r>
+              <a:rPr lang="en-US" dirty="0" smtClean="0"/>
+              <a:t>Prospector request</a:t>
+            </a:r>
+            <a:endParaRPr lang="en-US" dirty="0"/>
+          </a:p>
+        </p:txBody>
+      </p:sp>
     </p:spTree>
     <p:extLst>
       <p:ext uri="{BB962C8B-B14F-4D97-AF65-F5344CB8AC3E}">
@@ -4349,7 +5181,331 @@
 </p:sld>
 </file>
 
-<file path=ppt/slides/slide21.xml><?xml version="1.0" encoding="utf-8"?>
+<file path=ppt/slides/slide26.xml><?xml version="1.0" encoding="utf-8"?>
+<p:sld xmlns:a="http://schemas.openxmlformats.org/drawingml/2006/main" xmlns:r="http://schemas.openxmlformats.org/officeDocument/2006/relationships" xmlns:p="http://schemas.openxmlformats.org/presentationml/2006/main">
+  <p:cSld>
+    <p:bg>
+      <p:bgPr>
+        <a:solidFill>
+          <a:schemeClr val="accent1"/>
+        </a:solidFill>
+        <a:effectLst/>
+      </p:bgPr>
+    </p:bg>
+    <p:spTree>
+      <p:nvGrpSpPr>
+        <p:cNvPr id="1" name=""/>
+        <p:cNvGrpSpPr/>
+        <p:nvPr/>
+      </p:nvGrpSpPr>
+      <p:grpSpPr>
+        <a:xfrm>
+          <a:off x="0" y="0"/>
+          <a:ext cx="0" cy="0"/>
+          <a:chOff x="0" y="0"/>
+          <a:chExt cx="0" cy="0"/>
+        </a:xfrm>
+      </p:grpSpPr>
+      <p:pic>
+        <p:nvPicPr>
+          <p:cNvPr id="2" name="Picture 1"/>
+          <p:cNvPicPr>
+            <a:picLocks noChangeAspect="1"/>
+          </p:cNvPicPr>
+          <p:nvPr/>
+        </p:nvPicPr>
+        <p:blipFill>
+          <a:blip r:embed="rId2">
+            <a:extLst>
+              <a:ext uri="{28A0092B-C50C-407E-A947-70E740481C1C}">
+                <a14:useLocalDpi xmlns:a14="http://schemas.microsoft.com/office/drawing/2010/main" val="0"/>
+              </a:ext>
+            </a:extLst>
+          </a:blip>
+          <a:stretch>
+            <a:fillRect/>
+          </a:stretch>
+        </p:blipFill>
+        <p:spPr>
+          <a:xfrm>
+            <a:off x="11875" y="1581150"/>
+            <a:ext cx="9167751" cy="3676650"/>
+          </a:xfrm>
+          <a:prstGeom prst="rect">
+            <a:avLst/>
+          </a:prstGeom>
+        </p:spPr>
+      </p:pic>
+      <p:sp>
+        <p:nvSpPr>
+          <p:cNvPr id="3" name="Rectangle 2"/>
+          <p:cNvSpPr/>
+          <p:nvPr/>
+        </p:nvSpPr>
+        <p:spPr>
+          <a:xfrm>
+            <a:off x="1258939" y="6248400"/>
+            <a:ext cx="6673622" cy="369332"/>
+          </a:xfrm>
+          <a:prstGeom prst="rect">
+            <a:avLst/>
+          </a:prstGeom>
+          <a:solidFill>
+            <a:srgbClr val="FFFFFF"/>
+          </a:solidFill>
+        </p:spPr>
+        <p:txBody>
+          <a:bodyPr wrap="none">
+            <a:spAutoFit/>
+          </a:bodyPr>
+          <a:lstStyle/>
+          <a:p>
+            <a:r>
+              <a:rPr lang="en-US" dirty="0" smtClean="0"/>
+              <a:t>Material Request - </a:t>
+            </a:r>
+            <a:r>
+              <a:rPr lang="en-US" dirty="0" err="1" smtClean="0"/>
+              <a:t>AuthProcess.aspx.cs</a:t>
+            </a:r>
+            <a:r>
+              <a:rPr lang="en-US" dirty="0" smtClean="0"/>
+              <a:t> - Prospector availability</a:t>
+            </a:r>
+            <a:endParaRPr lang="en-US" dirty="0"/>
+          </a:p>
+        </p:txBody>
+      </p:sp>
+    </p:spTree>
+    <p:extLst>
+      <p:ext uri="{BB962C8B-B14F-4D97-AF65-F5344CB8AC3E}">
+        <p14:creationId xmlns:p14="http://schemas.microsoft.com/office/powerpoint/2010/main" val="3236299065"/>
+      </p:ext>
+    </p:extLst>
+  </p:cSld>
+  <p:clrMapOvr>
+    <a:masterClrMapping/>
+  </p:clrMapOvr>
+</p:sld>
+</file>
+
+<file path=ppt/slides/slide27.xml><?xml version="1.0" encoding="utf-8"?>
+<p:sld xmlns:a="http://schemas.openxmlformats.org/drawingml/2006/main" xmlns:r="http://schemas.openxmlformats.org/officeDocument/2006/relationships" xmlns:p="http://schemas.openxmlformats.org/presentationml/2006/main">
+  <p:cSld>
+    <p:bg>
+      <p:bgPr>
+        <a:solidFill>
+          <a:schemeClr val="accent1"/>
+        </a:solidFill>
+        <a:effectLst/>
+      </p:bgPr>
+    </p:bg>
+    <p:spTree>
+      <p:nvGrpSpPr>
+        <p:cNvPr id="1" name=""/>
+        <p:cNvGrpSpPr/>
+        <p:nvPr/>
+      </p:nvGrpSpPr>
+      <p:grpSpPr>
+        <a:xfrm>
+          <a:off x="0" y="0"/>
+          <a:ext cx="0" cy="0"/>
+          <a:chOff x="0" y="0"/>
+          <a:chExt cx="0" cy="0"/>
+        </a:xfrm>
+      </p:grpSpPr>
+      <p:pic>
+        <p:nvPicPr>
+          <p:cNvPr id="2" name="Picture 1"/>
+          <p:cNvPicPr>
+            <a:picLocks noChangeAspect="1"/>
+          </p:cNvPicPr>
+          <p:nvPr/>
+        </p:nvPicPr>
+        <p:blipFill>
+          <a:blip r:embed="rId2">
+            <a:extLst>
+              <a:ext uri="{28A0092B-C50C-407E-A947-70E740481C1C}">
+                <a14:useLocalDpi xmlns:a14="http://schemas.microsoft.com/office/drawing/2010/main" val="0"/>
+              </a:ext>
+            </a:extLst>
+          </a:blip>
+          <a:stretch>
+            <a:fillRect/>
+          </a:stretch>
+        </p:blipFill>
+        <p:spPr>
+          <a:xfrm>
+            <a:off x="476353" y="228600"/>
+            <a:ext cx="7858125" cy="5848350"/>
+          </a:xfrm>
+          <a:prstGeom prst="rect">
+            <a:avLst/>
+          </a:prstGeom>
+        </p:spPr>
+      </p:pic>
+      <p:sp>
+        <p:nvSpPr>
+          <p:cNvPr id="3" name="Rectangle 2"/>
+          <p:cNvSpPr/>
+          <p:nvPr/>
+        </p:nvSpPr>
+        <p:spPr>
+          <a:xfrm>
+            <a:off x="228598" y="6248400"/>
+            <a:ext cx="8353633" cy="369332"/>
+          </a:xfrm>
+          <a:prstGeom prst="rect">
+            <a:avLst/>
+          </a:prstGeom>
+          <a:solidFill>
+            <a:srgbClr val="FFFFFF"/>
+          </a:solidFill>
+        </p:spPr>
+        <p:txBody>
+          <a:bodyPr wrap="none">
+            <a:spAutoFit/>
+          </a:bodyPr>
+          <a:lstStyle/>
+          <a:p>
+            <a:r>
+              <a:rPr lang="en-US" dirty="0" smtClean="0"/>
+              <a:t>Material Request - </a:t>
+            </a:r>
+            <a:r>
+              <a:rPr lang="en-US" dirty="0" err="1" smtClean="0"/>
+              <a:t>AuthProcess.aspx.cs</a:t>
+            </a:r>
+            <a:r>
+              <a:rPr lang="en-US" dirty="0" smtClean="0"/>
+              <a:t> - Prospector links (items, item, request)</a:t>
+            </a:r>
+            <a:endParaRPr lang="en-US" dirty="0"/>
+          </a:p>
+        </p:txBody>
+      </p:sp>
+    </p:spTree>
+    <p:extLst>
+      <p:ext uri="{BB962C8B-B14F-4D97-AF65-F5344CB8AC3E}">
+        <p14:creationId xmlns:p14="http://schemas.microsoft.com/office/powerpoint/2010/main" val="2134296110"/>
+      </p:ext>
+    </p:extLst>
+  </p:cSld>
+  <p:clrMapOvr>
+    <a:masterClrMapping/>
+  </p:clrMapOvr>
+</p:sld>
+</file>
+
+<file path=ppt/slides/slide28.xml><?xml version="1.0" encoding="utf-8"?>
+<p:sld xmlns:a="http://schemas.openxmlformats.org/drawingml/2006/main" xmlns:r="http://schemas.openxmlformats.org/officeDocument/2006/relationships" xmlns:p="http://schemas.openxmlformats.org/presentationml/2006/main">
+  <p:cSld>
+    <p:bg>
+      <p:bgPr>
+        <a:solidFill>
+          <a:schemeClr val="accent1"/>
+        </a:solidFill>
+        <a:effectLst/>
+      </p:bgPr>
+    </p:bg>
+    <p:spTree>
+      <p:nvGrpSpPr>
+        <p:cNvPr id="1" name=""/>
+        <p:cNvGrpSpPr/>
+        <p:nvPr/>
+      </p:nvGrpSpPr>
+      <p:grpSpPr>
+        <a:xfrm>
+          <a:off x="0" y="0"/>
+          <a:ext cx="0" cy="0"/>
+          <a:chOff x="0" y="0"/>
+          <a:chExt cx="0" cy="0"/>
+        </a:xfrm>
+      </p:grpSpPr>
+      <p:pic>
+        <p:nvPicPr>
+          <p:cNvPr id="2" name="Picture 1"/>
+          <p:cNvPicPr>
+            <a:picLocks noChangeAspect="1"/>
+          </p:cNvPicPr>
+          <p:nvPr/>
+        </p:nvPicPr>
+        <p:blipFill>
+          <a:blip r:embed="rId2">
+            <a:extLst>
+              <a:ext uri="{28A0092B-C50C-407E-A947-70E740481C1C}">
+                <a14:useLocalDpi xmlns:a14="http://schemas.microsoft.com/office/drawing/2010/main" val="0"/>
+              </a:ext>
+            </a:extLst>
+          </a:blip>
+          <a:stretch>
+            <a:fillRect/>
+          </a:stretch>
+        </p:blipFill>
+        <p:spPr>
+          <a:xfrm>
+            <a:off x="117442" y="1143000"/>
+            <a:ext cx="8874158" cy="4178608"/>
+          </a:xfrm>
+          <a:prstGeom prst="rect">
+            <a:avLst/>
+          </a:prstGeom>
+        </p:spPr>
+      </p:pic>
+      <p:sp>
+        <p:nvSpPr>
+          <p:cNvPr id="3" name="Rectangle 2"/>
+          <p:cNvSpPr/>
+          <p:nvPr/>
+        </p:nvSpPr>
+        <p:spPr>
+          <a:xfrm>
+            <a:off x="743933" y="6248400"/>
+            <a:ext cx="7468776" cy="369332"/>
+          </a:xfrm>
+          <a:prstGeom prst="rect">
+            <a:avLst/>
+          </a:prstGeom>
+          <a:solidFill>
+            <a:srgbClr val="FFFFFF"/>
+          </a:solidFill>
+        </p:spPr>
+        <p:txBody>
+          <a:bodyPr wrap="none">
+            <a:spAutoFit/>
+          </a:bodyPr>
+          <a:lstStyle/>
+          <a:p>
+            <a:r>
+              <a:rPr lang="en-US" dirty="0" smtClean="0"/>
+              <a:t>Material Request - </a:t>
+            </a:r>
+            <a:r>
+              <a:rPr lang="en-US" dirty="0" err="1" smtClean="0"/>
+              <a:t>AuthProcess.aspx.cs</a:t>
+            </a:r>
+            <a:r>
+              <a:rPr lang="en-US" dirty="0" smtClean="0"/>
+              <a:t> - Prospector availability counts</a:t>
+            </a:r>
+            <a:endParaRPr lang="en-US" dirty="0"/>
+          </a:p>
+        </p:txBody>
+      </p:sp>
+    </p:spTree>
+    <p:extLst>
+      <p:ext uri="{BB962C8B-B14F-4D97-AF65-F5344CB8AC3E}">
+        <p14:creationId xmlns:p14="http://schemas.microsoft.com/office/powerpoint/2010/main" val="2931965988"/>
+      </p:ext>
+    </p:extLst>
+  </p:cSld>
+  <p:clrMapOvr>
+    <a:masterClrMapping/>
+  </p:clrMapOvr>
+</p:sld>
+</file>
+
+<file path=ppt/slides/slide29.xml><?xml version="1.0" encoding="utf-8"?>
 <p:sld xmlns:a="http://schemas.openxmlformats.org/drawingml/2006/main" xmlns:r="http://schemas.openxmlformats.org/officeDocument/2006/relationships" xmlns:p="http://schemas.openxmlformats.org/presentationml/2006/main">
   <p:cSld>
     <p:spTree>
@@ -4523,213 +5679,6 @@
     <p:extLst>
       <p:ext uri="{BB962C8B-B14F-4D97-AF65-F5344CB8AC3E}">
         <p14:creationId xmlns:p14="http://schemas.microsoft.com/office/powerpoint/2010/main" val="3796520162"/>
-      </p:ext>
-    </p:extLst>
-  </p:cSld>
-  <p:clrMapOvr>
-    <a:masterClrMapping/>
-  </p:clrMapOvr>
-</p:sld>
-</file>
-
-<file path=ppt/slides/slide22.xml><?xml version="1.0" encoding="utf-8"?>
-<p:sld xmlns:a="http://schemas.openxmlformats.org/drawingml/2006/main" xmlns:r="http://schemas.openxmlformats.org/officeDocument/2006/relationships" xmlns:p="http://schemas.openxmlformats.org/presentationml/2006/main">
-  <p:cSld>
-    <p:spTree>
-      <p:nvGrpSpPr>
-        <p:cNvPr id="1" name=""/>
-        <p:cNvGrpSpPr/>
-        <p:nvPr/>
-      </p:nvGrpSpPr>
-      <p:grpSpPr>
-        <a:xfrm>
-          <a:off x="0" y="0"/>
-          <a:ext cx="0" cy="0"/>
-          <a:chOff x="0" y="0"/>
-          <a:chExt cx="0" cy="0"/>
-        </a:xfrm>
-      </p:grpSpPr>
-      <p:sp>
-        <p:nvSpPr>
-          <p:cNvPr id="2" name="Title 1"/>
-          <p:cNvSpPr>
-            <a:spLocks noGrp="1"/>
-          </p:cNvSpPr>
-          <p:nvPr>
-            <p:ph type="title"/>
-          </p:nvPr>
-        </p:nvSpPr>
-        <p:spPr>
-          <a:xfrm>
-            <a:off x="457200" y="1524000"/>
-            <a:ext cx="8229600" cy="914400"/>
-          </a:xfrm>
-        </p:spPr>
-        <p:txBody>
-          <a:bodyPr>
-            <a:normAutofit/>
-          </a:bodyPr>
-          <a:lstStyle/>
-          <a:p>
-            <a:pPr algn="l"/>
-            <a:r>
-              <a:rPr lang="en-US" sz="3600" dirty="0" smtClean="0"/>
-              <a:t>More Information</a:t>
-            </a:r>
-            <a:endParaRPr lang="en-US" sz="3600" b="1" dirty="0">
-              <a:latin typeface="Arial Black" pitchFamily="34" charset="0"/>
-            </a:endParaRPr>
-          </a:p>
-        </p:txBody>
-      </p:sp>
-      <p:sp>
-        <p:nvSpPr>
-          <p:cNvPr id="3" name="Content Placeholder 2"/>
-          <p:cNvSpPr>
-            <a:spLocks noGrp="1"/>
-          </p:cNvSpPr>
-          <p:nvPr>
-            <p:ph idx="1"/>
-          </p:nvPr>
-        </p:nvSpPr>
-        <p:spPr>
-          <a:xfrm>
-            <a:off x="457200" y="2514600"/>
-            <a:ext cx="8229600" cy="3611563"/>
-          </a:xfrm>
-        </p:spPr>
-        <p:txBody>
-          <a:bodyPr>
-            <a:noAutofit/>
-          </a:bodyPr>
-          <a:lstStyle/>
-          <a:p>
-            <a:pPr marL="0" indent="0">
-              <a:buNone/>
-            </a:pPr>
-            <a:r>
-              <a:rPr lang="en-US" sz="2800" dirty="0" smtClean="0"/>
-              <a:t>Source </a:t>
-            </a:r>
-            <a:r>
-              <a:rPr lang="en-US" sz="2800" dirty="0"/>
-              <a:t>code, </a:t>
-            </a:r>
-            <a:r>
-              <a:rPr lang="en-US" sz="2800" dirty="0" smtClean="0"/>
-              <a:t>slides, screenshots</a:t>
-            </a:r>
-          </a:p>
-          <a:p>
-            <a:pPr marL="0" indent="0">
-              <a:buNone/>
-            </a:pPr>
-            <a:r>
-              <a:rPr lang="en-US" sz="2000" dirty="0" smtClean="0">
-                <a:hlinkClick r:id="rId2"/>
-              </a:rPr>
-              <a:t>https</a:t>
-            </a:r>
-            <a:r>
-              <a:rPr lang="en-US" sz="2000" dirty="0">
-                <a:hlinkClick r:id="rId2"/>
-              </a:rPr>
-              <a:t>://</a:t>
-            </a:r>
-            <a:r>
-              <a:rPr lang="en-US" sz="2000" dirty="0" smtClean="0">
-                <a:hlinkClick r:id="rId2"/>
-              </a:rPr>
-              <a:t>github.com/gregvogl/MaterialRequest</a:t>
-            </a:r>
-            <a:endParaRPr lang="en-US" sz="2000" dirty="0" smtClean="0"/>
-          </a:p>
-          <a:p>
-            <a:pPr marL="0" indent="0">
-              <a:buNone/>
-            </a:pPr>
-            <a:r>
-              <a:rPr lang="en-US" sz="2800" dirty="0" smtClean="0"/>
-              <a:t>Contact</a:t>
-            </a:r>
-            <a:endParaRPr lang="en-US" sz="2000" dirty="0" smtClean="0"/>
-          </a:p>
-          <a:p>
-            <a:pPr marL="0" indent="0">
-              <a:buNone/>
-            </a:pPr>
-            <a:r>
-              <a:rPr lang="en-US" sz="2000" dirty="0" smtClean="0"/>
-              <a:t>Greg Vogl</a:t>
-            </a:r>
-            <a:br>
-              <a:rPr lang="en-US" sz="2000" dirty="0" smtClean="0"/>
-            </a:br>
-            <a:r>
-              <a:rPr lang="en-US" sz="2000" dirty="0" smtClean="0"/>
-              <a:t>Middleware Developer</a:t>
-            </a:r>
-            <a:br>
-              <a:rPr lang="en-US" sz="2000" dirty="0" smtClean="0"/>
-            </a:br>
-            <a:r>
-              <a:rPr lang="en-US" sz="2000" dirty="0" smtClean="0"/>
-              <a:t>Academic </a:t>
-            </a:r>
-            <a:r>
-              <a:rPr lang="en-US" sz="2000" dirty="0"/>
-              <a:t>Computing and Networking </a:t>
-            </a:r>
-            <a:r>
-              <a:rPr lang="en-US" sz="2000" dirty="0" smtClean="0"/>
-              <a:t>Services</a:t>
-            </a:r>
-            <a:br>
-              <a:rPr lang="en-US" sz="2000" dirty="0" smtClean="0"/>
-            </a:br>
-            <a:r>
-              <a:rPr lang="en-US" sz="2000" dirty="0" smtClean="0"/>
-              <a:t>(970</a:t>
-            </a:r>
-            <a:r>
-              <a:rPr lang="en-US" sz="2000" dirty="0"/>
-              <a:t>) 491-4394 </a:t>
-            </a:r>
-            <a:r>
-              <a:rPr lang="en-US" sz="2000" dirty="0" smtClean="0"/>
-              <a:t/>
-            </a:r>
-            <a:br>
-              <a:rPr lang="en-US" sz="2000" dirty="0" smtClean="0"/>
-            </a:br>
-            <a:r>
-              <a:rPr lang="en-US" sz="2000" dirty="0" smtClean="0"/>
-              <a:t>Gregory.Vogl@colostate.edu </a:t>
-            </a:r>
-            <a:endParaRPr lang="en-US" sz="2000" dirty="0" smtClean="0"/>
-          </a:p>
-          <a:p>
-            <a:pPr marL="0" indent="0">
-              <a:buNone/>
-            </a:pPr>
-            <a:endParaRPr lang="en-US" sz="2000" dirty="0"/>
-          </a:p>
-          <a:p>
-            <a:pPr marL="0" indent="0">
-              <a:buNone/>
-            </a:pPr>
-            <a:r>
-              <a:rPr lang="en-US" sz="2000" smtClean="0"/>
-              <a:t>February 25, 2016</a:t>
-            </a:r>
-            <a:endParaRPr lang="en-US" sz="2000" dirty="0"/>
-          </a:p>
-        </p:txBody>
-      </p:sp>
-    </p:spTree>
-    <p:extLst>
-      <p:ext uri="{BB962C8B-B14F-4D97-AF65-F5344CB8AC3E}">
-        <p14:creationId xmlns:p14="http://schemas.microsoft.com/office/powerpoint/2010/main" val="2107250359"/>
       </p:ext>
     </p:extLst>
   </p:cSld>
@@ -4935,11 +5884,7 @@
             </a:r>
             <a:r>
               <a:rPr lang="en-US" sz="2000" dirty="0" smtClean="0"/>
-              <a:t>book, </a:t>
-            </a:r>
-            <a:r>
-              <a:rPr lang="en-US" sz="2000" dirty="0" smtClean="0"/>
-              <a:t>update </a:t>
+              <a:t>book, update </a:t>
             </a:r>
             <a:r>
               <a:rPr lang="en-US" sz="2000" dirty="0"/>
@@ -4963,15 +5908,7 @@
             </a:r>
             <a:r>
               <a:rPr lang="en-US" sz="2000" dirty="0" smtClean="0"/>
-              <a:t>patron that the </a:t>
-            </a:r>
-            <a:r>
-              <a:rPr lang="en-US" sz="2000" dirty="0" smtClean="0"/>
-              <a:t>book is </a:t>
-            </a:r>
-            <a:r>
-              <a:rPr lang="en-US" sz="2000" dirty="0" smtClean="0"/>
-              <a:t>available for checkout.</a:t>
+              <a:t>patron that the book is available for checkout.</a:t>
             </a:r>
             <a:endParaRPr lang="en-US" sz="2000" dirty="0"/>
           </a:p>
@@ -4981,6 +5918,219 @@
     <p:extLst>
       <p:ext uri="{BB962C8B-B14F-4D97-AF65-F5344CB8AC3E}">
         <p14:creationId xmlns:p14="http://schemas.microsoft.com/office/powerpoint/2010/main" val="4121439566"/>
+      </p:ext>
+    </p:extLst>
+  </p:cSld>
+  <p:clrMapOvr>
+    <a:masterClrMapping/>
+  </p:clrMapOvr>
+  <p:timing>
+    <p:tnLst>
+      <p:par>
+        <p:cTn id="1" dur="indefinite" restart="never" nodeType="tmRoot"/>
+      </p:par>
+    </p:tnLst>
+  </p:timing>
+</p:sld>
+</file>
+
+<file path=ppt/slides/slide30.xml><?xml version="1.0" encoding="utf-8"?>
+<p:sld xmlns:a="http://schemas.openxmlformats.org/drawingml/2006/main" xmlns:r="http://schemas.openxmlformats.org/officeDocument/2006/relationships" xmlns:p="http://schemas.openxmlformats.org/presentationml/2006/main">
+  <p:cSld>
+    <p:spTree>
+      <p:nvGrpSpPr>
+        <p:cNvPr id="1" name=""/>
+        <p:cNvGrpSpPr/>
+        <p:nvPr/>
+      </p:nvGrpSpPr>
+      <p:grpSpPr>
+        <a:xfrm>
+          <a:off x="0" y="0"/>
+          <a:ext cx="0" cy="0"/>
+          <a:chOff x="0" y="0"/>
+          <a:chExt cx="0" cy="0"/>
+        </a:xfrm>
+      </p:grpSpPr>
+      <p:sp>
+        <p:nvSpPr>
+          <p:cNvPr id="2" name="Title 1"/>
+          <p:cNvSpPr>
+            <a:spLocks noGrp="1"/>
+          </p:cNvSpPr>
+          <p:nvPr>
+            <p:ph type="title"/>
+          </p:nvPr>
+        </p:nvSpPr>
+        <p:spPr>
+          <a:xfrm>
+            <a:off x="457200" y="1524000"/>
+            <a:ext cx="8229600" cy="914400"/>
+          </a:xfrm>
+        </p:spPr>
+        <p:txBody>
+          <a:bodyPr>
+            <a:normAutofit/>
+          </a:bodyPr>
+          <a:lstStyle/>
+          <a:p>
+            <a:pPr algn="l"/>
+            <a:r>
+              <a:rPr lang="en-US" sz="3600" dirty="0" smtClean="0"/>
+              <a:t>More Information</a:t>
+            </a:r>
+            <a:endParaRPr lang="en-US" sz="3600" b="1" dirty="0">
+              <a:latin typeface="Arial Black" pitchFamily="34" charset="0"/>
+            </a:endParaRPr>
+          </a:p>
+        </p:txBody>
+      </p:sp>
+      <p:sp>
+        <p:nvSpPr>
+          <p:cNvPr id="3" name="Content Placeholder 2"/>
+          <p:cNvSpPr>
+            <a:spLocks noGrp="1"/>
+          </p:cNvSpPr>
+          <p:nvPr>
+            <p:ph idx="1"/>
+          </p:nvPr>
+        </p:nvSpPr>
+        <p:spPr>
+          <a:xfrm>
+            <a:off x="457200" y="2514600"/>
+            <a:ext cx="8229600" cy="3611563"/>
+          </a:xfrm>
+        </p:spPr>
+        <p:txBody>
+          <a:bodyPr>
+            <a:noAutofit/>
+          </a:bodyPr>
+          <a:lstStyle/>
+          <a:p>
+            <a:pPr marL="0" indent="0">
+              <a:buNone/>
+            </a:pPr>
+            <a:r>
+              <a:rPr lang="en-US" sz="2800" dirty="0" smtClean="0"/>
+              <a:t>Source </a:t>
+            </a:r>
+            <a:r>
+              <a:rPr lang="en-US" sz="2800" dirty="0"/>
+              <a:t>code, </a:t>
+            </a:r>
+            <a:r>
+              <a:rPr lang="en-US" sz="2800" dirty="0" smtClean="0"/>
+              <a:t>slides, screenshots</a:t>
+            </a:r>
+          </a:p>
+          <a:p>
+            <a:pPr marL="0" indent="0">
+              <a:buNone/>
+            </a:pPr>
+            <a:r>
+              <a:rPr lang="en-US" sz="2000" dirty="0" smtClean="0">
+                <a:hlinkClick r:id="rId2"/>
+              </a:rPr>
+              <a:t>https</a:t>
+            </a:r>
+            <a:r>
+              <a:rPr lang="en-US" sz="2000" dirty="0">
+                <a:hlinkClick r:id="rId2"/>
+              </a:rPr>
+              <a:t>://</a:t>
+            </a:r>
+            <a:r>
+              <a:rPr lang="en-US" sz="2000" dirty="0" smtClean="0">
+                <a:hlinkClick r:id="rId2"/>
+              </a:rPr>
+              <a:t>github.com/gregvogl/MaterialRequest</a:t>
+            </a:r>
+            <a:endParaRPr lang="en-US" sz="2000" dirty="0" smtClean="0"/>
+          </a:p>
+          <a:p>
+            <a:pPr marL="0" indent="0">
+              <a:buNone/>
+            </a:pPr>
+            <a:r>
+              <a:rPr lang="en-US" sz="2800" dirty="0" smtClean="0"/>
+              <a:t>Contact</a:t>
+            </a:r>
+            <a:endParaRPr lang="en-US" sz="2000" dirty="0" smtClean="0"/>
+          </a:p>
+          <a:p>
+            <a:pPr marL="0" indent="0">
+              <a:buNone/>
+            </a:pPr>
+            <a:r>
+              <a:rPr lang="en-US" sz="2000" dirty="0" smtClean="0"/>
+              <a:t>Greg Vogl</a:t>
+            </a:r>
+            <a:br>
+              <a:rPr lang="en-US" sz="2000" dirty="0" smtClean="0"/>
+            </a:br>
+            <a:r>
+              <a:rPr lang="en-US" sz="2000" dirty="0" smtClean="0"/>
+              <a:t>Middleware Developer</a:t>
+            </a:r>
+            <a:br>
+              <a:rPr lang="en-US" sz="2000" dirty="0" smtClean="0"/>
+            </a:br>
+            <a:r>
+              <a:rPr lang="en-US" sz="2000" dirty="0" smtClean="0"/>
+              <a:t>Academic </a:t>
+            </a:r>
+            <a:r>
+              <a:rPr lang="en-US" sz="2000" dirty="0"/>
+              <a:t>Computing and Networking </a:t>
+            </a:r>
+            <a:r>
+              <a:rPr lang="en-US" sz="2000" dirty="0" smtClean="0"/>
+              <a:t>Services</a:t>
+            </a:r>
+            <a:br>
+              <a:rPr lang="en-US" sz="2000" dirty="0" smtClean="0"/>
+            </a:br>
+            <a:r>
+              <a:rPr lang="en-US" sz="2000" dirty="0" smtClean="0"/>
+              <a:t>(970</a:t>
+            </a:r>
+            <a:r>
+              <a:rPr lang="en-US" sz="2000" dirty="0"/>
+              <a:t>) 491-4394 </a:t>
+            </a:r>
+            <a:r>
+              <a:rPr lang="en-US" sz="2000" dirty="0" smtClean="0"/>
+              <a:t/>
+            </a:r>
+            <a:br>
+              <a:rPr lang="en-US" sz="2000" dirty="0" smtClean="0"/>
+            </a:br>
+            <a:r>
+              <a:rPr lang="en-US" sz="2000" dirty="0" smtClean="0"/>
+              <a:t>Gregory.Vogl@colostate.edu </a:t>
+            </a:r>
+          </a:p>
+          <a:p>
+            <a:pPr marL="0" indent="0">
+              <a:buNone/>
+            </a:pPr>
+            <a:endParaRPr lang="en-US" sz="2000" dirty="0"/>
+          </a:p>
+          <a:p>
+            <a:pPr marL="0" indent="0">
+              <a:buNone/>
+            </a:pPr>
+            <a:r>
+              <a:rPr lang="en-US" sz="2000" smtClean="0"/>
+              <a:t>February 25, 2016</a:t>
+            </a:r>
+            <a:endParaRPr lang="en-US" sz="2000" dirty="0"/>
+          </a:p>
+        </p:txBody>
+      </p:sp>
+    </p:spTree>
+    <p:extLst>
+      <p:ext uri="{BB962C8B-B14F-4D97-AF65-F5344CB8AC3E}">
+        <p14:creationId xmlns:p14="http://schemas.microsoft.com/office/powerpoint/2010/main" val="2107250359"/>
       </p:ext>
     </p:extLst>
   </p:cSld>
@@ -5045,6 +6195,38 @@
           </a:prstGeom>
         </p:spPr>
       </p:pic>
+      <p:sp>
+        <p:nvSpPr>
+          <p:cNvPr id="3" name="TextBox 2"/>
+          <p:cNvSpPr txBox="1"/>
+          <p:nvPr/>
+        </p:nvSpPr>
+        <p:spPr>
+          <a:xfrm>
+            <a:off x="1607054" y="6412468"/>
+            <a:ext cx="5929893" cy="369332"/>
+          </a:xfrm>
+          <a:prstGeom prst="rect">
+            <a:avLst/>
+          </a:prstGeom>
+          <a:solidFill>
+            <a:srgbClr val="FFFFFF"/>
+          </a:solidFill>
+        </p:spPr>
+        <p:txBody>
+          <a:bodyPr wrap="none" rtlCol="0">
+            <a:spAutoFit/>
+          </a:bodyPr>
+          <a:lstStyle/>
+          <a:p>
+            <a:r>
+              <a:rPr lang="en-US" dirty="0" smtClean="0"/>
+              <a:t>Library Catalog (Discovery) – DDA item with request link</a:t>
+            </a:r>
+            <a:endParaRPr lang="en-US" dirty="0"/>
+          </a:p>
+        </p:txBody>
+      </p:sp>
     </p:spTree>
     <p:extLst>
       <p:ext uri="{BB962C8B-B14F-4D97-AF65-F5344CB8AC3E}">
@@ -5055,6 +6237,13 @@
   <p:clrMapOvr>
     <a:masterClrMapping/>
   </p:clrMapOvr>
+  <p:timing>
+    <p:tnLst>
+      <p:par>
+        <p:cTn id="1" dur="indefinite" restart="never" nodeType="tmRoot"/>
+      </p:par>
+    </p:tnLst>
+  </p:timing>
 </p:sld>
 </file>
 
@@ -5123,6 +6312,13 @@
   <p:clrMapOvr>
     <a:masterClrMapping/>
   </p:clrMapOvr>
+  <p:timing>
+    <p:tnLst>
+      <p:par>
+        <p:cTn id="1" dur="indefinite" restart="never" nodeType="tmRoot"/>
+      </p:par>
+    </p:tnLst>
+  </p:timing>
 </p:sld>
 </file>
 
@@ -5153,7 +6349,7 @@
       </p:grpSpPr>
       <p:pic>
         <p:nvPicPr>
-          <p:cNvPr id="3" name="Picture 2"/>
+          <p:cNvPr id="2" name="Picture 1"/>
           <p:cNvPicPr>
             <a:picLocks noChangeAspect="1"/>
           </p:cNvPicPr>
@@ -5173,8 +6369,8 @@
         </p:blipFill>
         <p:spPr>
           <a:xfrm>
-            <a:off x="2575406" y="0"/>
-            <a:ext cx="3993187" cy="6858000"/>
+            <a:off x="2695863" y="0"/>
+            <a:ext cx="3752273" cy="6858000"/>
           </a:xfrm>
           <a:prstGeom prst="rect">
             <a:avLst/>
@@ -5191,6 +6387,13 @@
   <p:clrMapOvr>
     <a:masterClrMapping/>
   </p:clrMapOvr>
+  <p:timing>
+    <p:tnLst>
+      <p:par>
+        <p:cTn id="1" dur="indefinite" restart="never" nodeType="tmRoot"/>
+      </p:par>
+    </p:tnLst>
+  </p:timing>
 </p:sld>
 </file>
 
@@ -5259,6 +6462,13 @@
   <p:clrMapOvr>
     <a:masterClrMapping/>
   </p:clrMapOvr>
+  <p:timing>
+    <p:tnLst>
+      <p:par>
+        <p:cTn id="1" dur="indefinite" restart="never" nodeType="tmRoot"/>
+      </p:par>
+    </p:tnLst>
+  </p:timing>
 </p:sld>
 </file>
 
@@ -5506,6 +6716,13 @@
   <p:clrMapOvr>
     <a:masterClrMapping/>
   </p:clrMapOvr>
+  <p:timing>
+    <p:tnLst>
+      <p:par>
+        <p:cTn id="1" dur="indefinite" restart="never" nodeType="tmRoot"/>
+      </p:par>
+    </p:tnLst>
+  </p:timing>
 </p:sld>
 </file>
 
@@ -5556,14 +6773,46 @@
         </p:blipFill>
         <p:spPr>
           <a:xfrm>
-            <a:off x="1828800" y="31980"/>
-            <a:ext cx="4953000" cy="6787920"/>
+            <a:off x="2244147" y="31980"/>
+            <a:ext cx="4655706" cy="6380488"/>
           </a:xfrm>
           <a:prstGeom prst="rect">
             <a:avLst/>
           </a:prstGeom>
         </p:spPr>
       </p:pic>
+      <p:sp>
+        <p:nvSpPr>
+          <p:cNvPr id="3" name="TextBox 2"/>
+          <p:cNvSpPr txBox="1"/>
+          <p:nvPr/>
+        </p:nvSpPr>
+        <p:spPr>
+          <a:xfrm>
+            <a:off x="1585734" y="6488668"/>
+            <a:ext cx="5972532" cy="369332"/>
+          </a:xfrm>
+          <a:prstGeom prst="rect">
+            <a:avLst/>
+          </a:prstGeom>
+          <a:solidFill>
+            <a:srgbClr val="FFFFFF"/>
+          </a:solidFill>
+        </p:spPr>
+        <p:txBody>
+          <a:bodyPr wrap="none" rtlCol="0">
+            <a:spAutoFit/>
+          </a:bodyPr>
+          <a:lstStyle/>
+          <a:p>
+            <a:r>
+              <a:rPr lang="en-US" dirty="0" smtClean="0"/>
+              <a:t>SQL Server Request table for logging purchase requests</a:t>
+            </a:r>
+            <a:endParaRPr lang="en-US" dirty="0"/>
+          </a:p>
+        </p:txBody>
+      </p:sp>
     </p:spTree>
     <p:extLst>
       <p:ext uri="{BB962C8B-B14F-4D97-AF65-F5344CB8AC3E}">
@@ -5574,6 +6823,13 @@
   <p:clrMapOvr>
     <a:masterClrMapping/>
   </p:clrMapOvr>
+  <p:timing>
+    <p:tnLst>
+      <p:par>
+        <p:cTn id="1" dur="indefinite" restart="never" nodeType="tmRoot"/>
+      </p:par>
+    </p:tnLst>
+  </p:timing>
 </p:sld>
 </file>
 

--- a/CSU-library-material-request.pptx
+++ b/CSU-library-material-request.pptx
@@ -334,7 +334,7 @@
             <a:fld id="{48101BCE-EC36-4DE0-B21C-D2709FABE79E}" type="datetimeFigureOut">
               <a:rPr lang="en-US" smtClean="0"/>
               <a:pPr/>
-              <a:t>2/22/2016</a:t>
+              <a:t>2/24/2016</a:t>
             </a:fld>
             <a:endParaRPr lang="en-US"/>
           </a:p>
@@ -501,7 +501,7 @@
             <a:fld id="{48101BCE-EC36-4DE0-B21C-D2709FABE79E}" type="datetimeFigureOut">
               <a:rPr lang="en-US" smtClean="0"/>
               <a:pPr/>
-              <a:t>2/22/2016</a:t>
+              <a:t>2/24/2016</a:t>
             </a:fld>
             <a:endParaRPr lang="en-US"/>
           </a:p>
@@ -678,7 +678,7 @@
             <a:fld id="{48101BCE-EC36-4DE0-B21C-D2709FABE79E}" type="datetimeFigureOut">
               <a:rPr lang="en-US" smtClean="0"/>
               <a:pPr/>
-              <a:t>2/22/2016</a:t>
+              <a:t>2/24/2016</a:t>
             </a:fld>
             <a:endParaRPr lang="en-US"/>
           </a:p>
@@ -845,7 +845,7 @@
             <a:fld id="{48101BCE-EC36-4DE0-B21C-D2709FABE79E}" type="datetimeFigureOut">
               <a:rPr lang="en-US" smtClean="0"/>
               <a:pPr/>
-              <a:t>2/22/2016</a:t>
+              <a:t>2/24/2016</a:t>
             </a:fld>
             <a:endParaRPr lang="en-US"/>
           </a:p>
@@ -1088,7 +1088,7 @@
             <a:fld id="{48101BCE-EC36-4DE0-B21C-D2709FABE79E}" type="datetimeFigureOut">
               <a:rPr lang="en-US" smtClean="0"/>
               <a:pPr/>
-              <a:t>2/22/2016</a:t>
+              <a:t>2/24/2016</a:t>
             </a:fld>
             <a:endParaRPr lang="en-US"/>
           </a:p>
@@ -1373,7 +1373,7 @@
             <a:fld id="{48101BCE-EC36-4DE0-B21C-D2709FABE79E}" type="datetimeFigureOut">
               <a:rPr lang="en-US" smtClean="0"/>
               <a:pPr/>
-              <a:t>2/22/2016</a:t>
+              <a:t>2/24/2016</a:t>
             </a:fld>
             <a:endParaRPr lang="en-US"/>
           </a:p>
@@ -1792,7 +1792,7 @@
             <a:fld id="{48101BCE-EC36-4DE0-B21C-D2709FABE79E}" type="datetimeFigureOut">
               <a:rPr lang="en-US" smtClean="0"/>
               <a:pPr/>
-              <a:t>2/22/2016</a:t>
+              <a:t>2/24/2016</a:t>
             </a:fld>
             <a:endParaRPr lang="en-US"/>
           </a:p>
@@ -1907,7 +1907,7 @@
             <a:fld id="{48101BCE-EC36-4DE0-B21C-D2709FABE79E}" type="datetimeFigureOut">
               <a:rPr lang="en-US" smtClean="0"/>
               <a:pPr/>
-              <a:t>2/22/2016</a:t>
+              <a:t>2/24/2016</a:t>
             </a:fld>
             <a:endParaRPr lang="en-US"/>
           </a:p>
@@ -1999,7 +1999,7 @@
             <a:fld id="{48101BCE-EC36-4DE0-B21C-D2709FABE79E}" type="datetimeFigureOut">
               <a:rPr lang="en-US" smtClean="0"/>
               <a:pPr/>
-              <a:t>2/22/2016</a:t>
+              <a:t>2/24/2016</a:t>
             </a:fld>
             <a:endParaRPr lang="en-US"/>
           </a:p>
@@ -2273,7 +2273,7 @@
             <a:fld id="{48101BCE-EC36-4DE0-B21C-D2709FABE79E}" type="datetimeFigureOut">
               <a:rPr lang="en-US" smtClean="0"/>
               <a:pPr/>
-              <a:t>2/22/2016</a:t>
+              <a:t>2/24/2016</a:t>
             </a:fld>
             <a:endParaRPr lang="en-US"/>
           </a:p>
@@ -2523,7 +2523,7 @@
             <a:fld id="{48101BCE-EC36-4DE0-B21C-D2709FABE79E}" type="datetimeFigureOut">
               <a:rPr lang="en-US" smtClean="0"/>
               <a:pPr/>
-              <a:t>2/22/2016</a:t>
+              <a:t>2/24/2016</a:t>
             </a:fld>
             <a:endParaRPr lang="en-US"/>
           </a:p>
@@ -2742,7 +2742,7 @@
             <a:fld id="{48101BCE-EC36-4DE0-B21C-D2709FABE79E}" type="datetimeFigureOut">
               <a:rPr lang="en-US" smtClean="0"/>
               <a:pPr/>
-              <a:t>2/22/2016</a:t>
+              <a:t>2/24/2016</a:t>
             </a:fld>
             <a:endParaRPr lang="en-US"/>
           </a:p>
@@ -3467,15 +3467,7 @@
             </a:r>
             <a:r>
               <a:rPr lang="en-US" sz="1800" dirty="0" smtClean="0"/>
-              <a:t>(MARC </a:t>
-            </a:r>
-            <a:r>
-              <a:rPr lang="en-US" sz="1800" dirty="0" smtClean="0"/>
-              <a:t>998a</a:t>
-            </a:r>
-            <a:r>
-              <a:rPr lang="en-US" sz="1800" dirty="0" smtClean="0"/>
-              <a:t>) </a:t>
+              <a:t>(MARC 998a) </a:t>
             </a:r>
             <a:r>
               <a:rPr lang="en-US" sz="1800" dirty="0"/>
@@ -3616,7 +3608,7 @@
         </p:nvSpPr>
         <p:spPr>
           <a:xfrm>
-            <a:off x="571546" y="6412468"/>
+            <a:off x="571546" y="6488668"/>
             <a:ext cx="8000908" cy="369332"/>
           </a:xfrm>
           <a:prstGeom prst="rect">
@@ -3724,7 +3716,7 @@
         </p:nvSpPr>
         <p:spPr>
           <a:xfrm>
-            <a:off x="168391" y="6412468"/>
+            <a:off x="168391" y="6488668"/>
             <a:ext cx="8807219" cy="369332"/>
           </a:xfrm>
           <a:prstGeom prst="rect">
@@ -3839,7 +3831,7 @@
         </p:nvSpPr>
         <p:spPr>
           <a:xfrm>
-            <a:off x="581164" y="6412468"/>
+            <a:off x="581164" y="6488668"/>
             <a:ext cx="7686784" cy="369332"/>
           </a:xfrm>
           <a:prstGeom prst="rect">
@@ -3946,7 +3938,7 @@
         </p:nvSpPr>
         <p:spPr>
           <a:xfrm>
-            <a:off x="581164" y="6412468"/>
+            <a:off x="581164" y="6488668"/>
             <a:ext cx="7981672" cy="369332"/>
           </a:xfrm>
           <a:prstGeom prst="rect">
@@ -4160,7 +4152,7 @@
         </p:nvSpPr>
         <p:spPr>
           <a:xfrm>
-            <a:off x="2209815" y="6412468"/>
+            <a:off x="2209815" y="6488668"/>
             <a:ext cx="4724370" cy="369332"/>
           </a:xfrm>
           <a:prstGeom prst="rect">
@@ -4267,7 +4259,7 @@
         </p:nvSpPr>
         <p:spPr>
           <a:xfrm>
-            <a:off x="940237" y="6096000"/>
+            <a:off x="940237" y="6488668"/>
             <a:ext cx="7263527" cy="369332"/>
           </a:xfrm>
           <a:prstGeom prst="rect">
@@ -4608,7 +4600,7 @@
         </p:nvSpPr>
         <p:spPr>
           <a:xfrm>
-            <a:off x="68171" y="6260068"/>
+            <a:off x="68171" y="6488668"/>
             <a:ext cx="9007659" cy="369332"/>
           </a:xfrm>
           <a:prstGeom prst="rect">
@@ -4716,7 +4708,7 @@
         </p:nvSpPr>
         <p:spPr>
           <a:xfrm>
-            <a:off x="375980" y="6172200"/>
+            <a:off x="375980" y="6488668"/>
             <a:ext cx="8392041" cy="369332"/>
           </a:xfrm>
           <a:prstGeom prst="rect">
@@ -5144,7 +5136,7 @@
         </p:nvSpPr>
         <p:spPr>
           <a:xfrm>
-            <a:off x="3505041" y="6400800"/>
+            <a:off x="3505041" y="6488668"/>
             <a:ext cx="2133918" cy="369332"/>
           </a:xfrm>
           <a:prstGeom prst="rect">
@@ -5244,7 +5236,7 @@
         </p:nvSpPr>
         <p:spPr>
           <a:xfrm>
-            <a:off x="1258939" y="6248400"/>
+            <a:off x="1258939" y="6488668"/>
             <a:ext cx="6673622" cy="369332"/>
           </a:xfrm>
           <a:prstGeom prst="rect">
@@ -5352,7 +5344,7 @@
         </p:nvSpPr>
         <p:spPr>
           <a:xfrm>
-            <a:off x="228598" y="6248400"/>
+            <a:off x="228598" y="6488668"/>
             <a:ext cx="8353633" cy="369332"/>
           </a:xfrm>
           <a:prstGeom prst="rect">
@@ -5460,7 +5452,7 @@
         </p:nvSpPr>
         <p:spPr>
           <a:xfrm>
-            <a:off x="743933" y="6248400"/>
+            <a:off x="743933" y="6488668"/>
             <a:ext cx="7468776" cy="369332"/>
           </a:xfrm>
           <a:prstGeom prst="rect">
@@ -6203,7 +6195,7 @@
         </p:nvSpPr>
         <p:spPr>
           <a:xfrm>
-            <a:off x="1607054" y="6412468"/>
+            <a:off x="1607054" y="6488668"/>
             <a:ext cx="5929893" cy="369332"/>
           </a:xfrm>
           <a:prstGeom prst="rect">
@@ -6549,8 +6541,14 @@
           <a:lstStyle/>
           <a:p>
             <a:r>
+              <a:rPr lang="en-US" sz="1800" dirty="0" smtClean="0">
+                <a:hlinkClick r:id="rId2"/>
+              </a:rPr>
+              <a:t>Sage</a:t>
+            </a:r>
+            <a:r>
               <a:rPr lang="en-US" sz="1800" dirty="0" smtClean="0"/>
-              <a:t>Sage </a:t>
+              <a:t> </a:t>
             </a:r>
             <a:r>
               <a:rPr lang="en-US" sz="1800" dirty="0"/>
@@ -6564,12 +6562,8 @@
           <a:p>
             <a:pPr marL="857250" lvl="1" indent="-457200"/>
             <a:r>
-              <a:rPr lang="en-US" sz="1400" dirty="0" smtClean="0"/>
-              <a:t>Innovative </a:t>
-            </a:r>
-            <a:r>
               <a:rPr lang="en-US" sz="1400" dirty="0"/>
-              <a:t>Millennium, </a:t>
+              <a:t>Innovative Millennium, </a:t>
             </a:r>
             <a:r>
               <a:rPr lang="en-US" sz="1400" dirty="0" err="1"/>
@@ -6577,50 +6571,144 @@
             </a:r>
             <a:r>
               <a:rPr lang="en-US" sz="1400" dirty="0"/>
-              <a:t> Pro, to be replaced by Alma in 2016-7)</a:t>
-            </a:r>
-          </a:p>
-          <a:p>
+              <a:t> </a:t>
+            </a:r>
+            <a:r>
+              <a:rPr lang="en-US" sz="1400"/>
+              <a:t>Pro</a:t>
+            </a:r>
+            <a:r>
+              <a:rPr lang="en-US" sz="1400" smtClean="0"/>
+              <a:t>, Z39.50, </a:t>
+            </a:r>
+            <a:r>
+              <a:rPr lang="en-US" sz="1400" dirty="0"/>
+              <a:t>to be replaced by Alma in 2016-7</a:t>
+            </a:r>
+          </a:p>
+          <a:p>
+            <a:r>
+              <a:rPr lang="en-US" sz="1800" dirty="0" smtClean="0">
+                <a:hlinkClick r:id="rId3"/>
+              </a:rPr>
+              <a:t>Prospector</a:t>
+            </a:r>
             <a:r>
               <a:rPr lang="en-US" sz="1800" dirty="0" smtClean="0"/>
-              <a:t>Prospector </a:t>
+              <a:t> (Colorado/regional </a:t>
             </a:r>
             <a:r>
               <a:rPr lang="en-US" sz="1800" dirty="0"/>
-              <a:t>(regional library catalog)</a:t>
-            </a:r>
-          </a:p>
-          <a:p>
+              <a:t>library </a:t>
+            </a:r>
             <a:r>
               <a:rPr lang="en-US" sz="1800" dirty="0" smtClean="0"/>
-              <a:t>Discovery </a:t>
+              <a:t>catalog)</a:t>
             </a:r>
           </a:p>
           <a:p>
             <a:pPr marL="857250" lvl="1" indent="-457200"/>
             <a:r>
+              <a:rPr lang="en-US" sz="1400" dirty="0"/>
+              <a:t>Innovative Millennium, </a:t>
+            </a:r>
+            <a:r>
+              <a:rPr lang="en-US" sz="1400" dirty="0" err="1"/>
+              <a:t>WebPAC</a:t>
+            </a:r>
+            <a:r>
+              <a:rPr lang="en-US" sz="1400" dirty="0"/>
+              <a:t> Pro, Encore</a:t>
+            </a:r>
+            <a:endParaRPr lang="en-US" sz="1400" dirty="0"/>
+          </a:p>
+          <a:p>
+            <a:r>
+              <a:rPr lang="en-US" sz="1800" dirty="0" smtClean="0">
+                <a:hlinkClick r:id="rId4"/>
+              </a:rPr>
+              <a:t>Discovery</a:t>
+            </a:r>
+            <a:r>
+              <a:rPr lang="en-US" sz="1800" dirty="0" smtClean="0"/>
+              <a:t> </a:t>
+            </a:r>
+            <a:r>
+              <a:rPr lang="en-US" sz="1800" dirty="0" smtClean="0"/>
+              <a:t>(</a:t>
+            </a:r>
+            <a:r>
+              <a:rPr lang="en-US" sz="1800" dirty="0"/>
+              <a:t>CSU Web-scale discovery </a:t>
+            </a:r>
+            <a:r>
+              <a:rPr lang="en-US" sz="1800" dirty="0" smtClean="0"/>
+              <a:t>tool)</a:t>
+            </a:r>
+            <a:endParaRPr lang="en-US" sz="1800" dirty="0" smtClean="0"/>
+          </a:p>
+          <a:p>
+            <a:pPr marL="857250" lvl="1" indent="-457200"/>
+            <a:r>
+              <a:rPr lang="en-US" sz="1400" dirty="0" err="1" smtClean="0"/>
+              <a:t>VuFind</a:t>
+            </a:r>
+            <a:r>
               <a:rPr lang="en-US" sz="1400" dirty="0" smtClean="0"/>
-              <a:t>(</a:t>
+              <a:t> </a:t>
             </a:r>
             <a:r>
               <a:rPr lang="en-US" sz="1400" dirty="0"/>
-              <a:t>Web-scale discovery tool, customized </a:t>
-            </a:r>
-            <a:r>
-              <a:rPr lang="en-US" sz="1400" dirty="0" err="1"/>
-              <a:t>VuFind</a:t>
+              <a:t>beta (0.8, 2009), </a:t>
+            </a:r>
+            <a:r>
+              <a:rPr lang="en-US" sz="1400" dirty="0" err="1" smtClean="0"/>
+              <a:t>Solr</a:t>
+            </a:r>
+            <a:r>
+              <a:rPr lang="en-US" sz="1400" dirty="0" smtClean="0"/>
+              <a:t> </a:t>
             </a:r>
             <a:r>
               <a:rPr lang="en-US" sz="1400" dirty="0"/>
-              <a:t> beta (0.8, 2009), running </a:t>
-            </a:r>
-            <a:r>
-              <a:rPr lang="en-US" sz="1400" dirty="0" err="1"/>
-              <a:t>Solr</a:t>
+              <a:t>1.4, Java 1.6, </a:t>
+            </a:r>
+            <a:r>
+              <a:rPr lang="en-US" sz="1400" dirty="0" smtClean="0"/>
+              <a:t>PHP, to </a:t>
             </a:r>
             <a:r>
               <a:rPr lang="en-US" sz="1400" dirty="0"/>
-              <a:t> 1.4, Java 1.6, PHP, to be replaced by Primo in 2016-7)</a:t>
+              <a:t>be replaced by Primo in </a:t>
+            </a:r>
+            <a:r>
+              <a:rPr lang="en-US" sz="1400" dirty="0" smtClean="0"/>
+              <a:t>2016-7</a:t>
+            </a:r>
+            <a:endParaRPr lang="en-US" sz="1400" dirty="0"/>
+          </a:p>
+          <a:p>
+            <a:r>
+              <a:rPr lang="en-US" sz="1800" dirty="0" err="1" smtClean="0">
+                <a:hlinkClick r:id="rId5"/>
+              </a:rPr>
+              <a:t>WebAuth</a:t>
+            </a:r>
+            <a:endParaRPr lang="en-US" sz="1800" dirty="0" smtClean="0"/>
+          </a:p>
+          <a:p>
+            <a:pPr marL="857250" lvl="1" indent="-457200"/>
+            <a:r>
+              <a:rPr lang="en-US" sz="1400" dirty="0" smtClean="0"/>
+              <a:t>ASP.NET C# application/library for login via CSU </a:t>
+            </a:r>
+            <a:r>
+              <a:rPr lang="en-US" sz="1400" dirty="0" err="1" smtClean="0"/>
+              <a:t>eID</a:t>
+            </a:r>
+            <a:r>
+              <a:rPr lang="en-US" sz="1400" dirty="0" smtClean="0"/>
+              <a:t>, to be replaced by Shibboleth in 2016</a:t>
             </a:r>
           </a:p>
           <a:p>
@@ -6641,7 +6729,7 @@
             </a:r>
             <a:r>
               <a:rPr lang="en-US" sz="1400" dirty="0"/>
-              <a:t> database with Person table, and Request database with Request table (accessed using </a:t>
+              <a:t> database with Person table, Request database/table, accessed via </a:t>
             </a:r>
             <a:r>
               <a:rPr lang="en-US" sz="1400" dirty="0" err="1"/>
@@ -6649,37 +6737,12 @@
             </a:r>
             <a:r>
               <a:rPr lang="en-US" sz="1400" dirty="0"/>
-              <a:t> to SQL)</a:t>
-            </a:r>
-          </a:p>
-          <a:p>
-            <a:r>
-              <a:rPr lang="en-US" sz="1800" dirty="0" err="1"/>
-              <a:t>WebAuth</a:t>
-            </a:r>
-            <a:r>
-              <a:rPr lang="en-US" sz="1800" dirty="0"/>
-              <a:t> </a:t>
-            </a:r>
-          </a:p>
-          <a:p>
-            <a:pPr marL="857250" lvl="1" indent="-457200"/>
-            <a:r>
-              <a:rPr lang="en-US" sz="1400" dirty="0"/>
-              <a:t>(ASP.NET C# application and library for CSU login via </a:t>
-            </a:r>
-            <a:r>
-              <a:rPr lang="en-US" sz="1400" dirty="0" err="1"/>
-              <a:t>eID</a:t>
-            </a:r>
-            <a:r>
-              <a:rPr lang="en-US" sz="1400" dirty="0"/>
-              <a:t>, to be replaced by Shibboleth in 2016)</a:t>
-            </a:r>
-          </a:p>
-          <a:p>
-            <a:r>
-              <a:rPr lang="en-US" sz="1800" smtClean="0"/>
+              <a:t> to SQL</a:t>
+            </a:r>
+          </a:p>
+          <a:p>
+            <a:r>
+              <a:rPr lang="en-US" sz="1800" dirty="0" smtClean="0"/>
               <a:t>Material </a:t>
             </a:r>
             <a:r>
@@ -6692,15 +6755,23 @@
             <a:pPr marL="857250" lvl="1" indent="-457200"/>
             <a:r>
               <a:rPr lang="en-US" sz="1400" dirty="0" smtClean="0"/>
-              <a:t>(</a:t>
+              <a:t>ASP.NET </a:t>
             </a:r>
             <a:r>
               <a:rPr lang="en-US" sz="1400" dirty="0"/>
-              <a:t>ASP.NET C# application created in 2011</a:t>
+              <a:t>C# </a:t>
             </a:r>
             <a:r>
               <a:rPr lang="en-US" sz="1400" dirty="0" smtClean="0"/>
-              <a:t>)</a:t>
+              <a:t>application, </a:t>
+            </a:r>
+            <a:r>
+              <a:rPr lang="en-US" sz="1400" dirty="0"/>
+              <a:t>created in </a:t>
+            </a:r>
+            <a:r>
+              <a:rPr lang="en-US" sz="1400" dirty="0" smtClean="0"/>
+              <a:t>2011</a:t>
             </a:r>
             <a:endParaRPr lang="en-US" sz="1400" dirty="0"/>
           </a:p>
